--- a/src/сourse/course_task.pptx
+++ b/src/сourse/course_task.pptx
@@ -7,7 +7,10 @@
   <p:sldIdLst>
     <p:sldId id="257" r:id="rId2"/>
     <p:sldId id="258" r:id="rId3"/>
-    <p:sldId id="256" r:id="rId4"/>
+    <p:sldId id="259" r:id="rId4"/>
+    <p:sldId id="260" r:id="rId5"/>
+    <p:sldId id="261" r:id="rId6"/>
+    <p:sldId id="256" r:id="rId7"/>
   </p:sldIdLst>
   <p:sldSz cx="9144000" cy="6858000" type="screen4x3"/>
   <p:notesSz cx="6858000" cy="9144000"/>
@@ -3512,6 +3515,1003 @@
 </file>
 
 <file path=ppt/slides/slide3.xml><?xml version="1.0" encoding="utf-8"?>
+<p:sld xmlns:a="http://schemas.openxmlformats.org/drawingml/2006/main" xmlns:r="http://schemas.openxmlformats.org/officeDocument/2006/relationships" xmlns:p="http://schemas.openxmlformats.org/presentationml/2006/main">
+  <p:cSld>
+    <p:spTree>
+      <p:nvGrpSpPr>
+        <p:cNvPr id="1" name=""/>
+        <p:cNvGrpSpPr/>
+        <p:nvPr/>
+      </p:nvGrpSpPr>
+      <p:grpSpPr>
+        <a:xfrm>
+          <a:off x="0" y="0"/>
+          <a:ext cx="0" cy="0"/>
+          <a:chOff x="0" y="0"/>
+          <a:chExt cx="0" cy="0"/>
+        </a:xfrm>
+      </p:grpSpPr>
+      <p:sp>
+        <p:nvSpPr>
+          <p:cNvPr id="4" name="TextBox 3"/>
+          <p:cNvSpPr txBox="1"/>
+          <p:nvPr/>
+        </p:nvSpPr>
+        <p:spPr>
+          <a:xfrm>
+            <a:off x="2899280" y="2132856"/>
+            <a:ext cx="3323346" cy="1754326"/>
+          </a:xfrm>
+          <a:prstGeom prst="rect">
+            <a:avLst/>
+          </a:prstGeom>
+          <a:solidFill>
+            <a:srgbClr val="0070C0"/>
+          </a:solidFill>
+          <a:ln>
+            <a:noFill/>
+          </a:ln>
+        </p:spPr>
+        <p:txBody>
+          <a:bodyPr wrap="none" rtlCol="0">
+            <a:spAutoFit/>
+          </a:bodyPr>
+          <a:lstStyle/>
+          <a:p>
+            <a:pPr algn="ctr"/>
+            <a:r>
+              <a:rPr lang="ru-RU" sz="3600" b="1" dirty="0" smtClean="0">
+                <a:solidFill>
+                  <a:schemeClr val="bg1"/>
+                </a:solidFill>
+              </a:rPr>
+              <a:t>Лекция 3.</a:t>
+            </a:r>
+            <a:br>
+              <a:rPr lang="ru-RU" sz="3600" b="1" dirty="0" smtClean="0">
+                <a:solidFill>
+                  <a:schemeClr val="bg1"/>
+                </a:solidFill>
+              </a:rPr>
+            </a:br>
+            <a:r>
+              <a:rPr lang="ru-RU" sz="3600" b="1" dirty="0" smtClean="0">
+                <a:solidFill>
+                  <a:schemeClr val="bg1"/>
+                </a:solidFill>
+              </a:rPr>
+              <a:t>Ветвление. </a:t>
+            </a:r>
+            <a:br>
+              <a:rPr lang="ru-RU" sz="3600" b="1" dirty="0" smtClean="0">
+                <a:solidFill>
+                  <a:schemeClr val="bg1"/>
+                </a:solidFill>
+              </a:rPr>
+            </a:br>
+            <a:r>
+              <a:rPr lang="ru-RU" sz="3600" b="1" dirty="0" smtClean="0">
+                <a:solidFill>
+                  <a:schemeClr val="bg1"/>
+                </a:solidFill>
+              </a:rPr>
+              <a:t>Логический тип</a:t>
+            </a:r>
+            <a:endParaRPr lang="ru-RU" sz="3600" b="1" dirty="0">
+              <a:solidFill>
+                <a:schemeClr val="bg1"/>
+              </a:solidFill>
+            </a:endParaRPr>
+          </a:p>
+        </p:txBody>
+      </p:sp>
+    </p:spTree>
+    <p:extLst>
+      <p:ext uri="{BB962C8B-B14F-4D97-AF65-F5344CB8AC3E}">
+        <p14:creationId xmlns:p14="http://schemas.microsoft.com/office/powerpoint/2010/main" val="47252029"/>
+      </p:ext>
+    </p:extLst>
+  </p:cSld>
+  <p:clrMapOvr>
+    <a:masterClrMapping/>
+  </p:clrMapOvr>
+  <p:timing>
+    <p:tnLst>
+      <p:par>
+        <p:cTn id="1" dur="indefinite" restart="never" nodeType="tmRoot"/>
+      </p:par>
+    </p:tnLst>
+  </p:timing>
+</p:sld>
+</file>
+
+<file path=ppt/slides/slide4.xml><?xml version="1.0" encoding="utf-8"?>
+<p:sld xmlns:a="http://schemas.openxmlformats.org/drawingml/2006/main" xmlns:r="http://schemas.openxmlformats.org/officeDocument/2006/relationships" xmlns:p="http://schemas.openxmlformats.org/presentationml/2006/main">
+  <p:cSld>
+    <p:spTree>
+      <p:nvGrpSpPr>
+        <p:cNvPr id="1" name=""/>
+        <p:cNvGrpSpPr/>
+        <p:nvPr/>
+      </p:nvGrpSpPr>
+      <p:grpSpPr>
+        <a:xfrm>
+          <a:off x="0" y="0"/>
+          <a:ext cx="0" cy="0"/>
+          <a:chOff x="0" y="0"/>
+          <a:chExt cx="0" cy="0"/>
+        </a:xfrm>
+      </p:grpSpPr>
+      <p:sp>
+        <p:nvSpPr>
+          <p:cNvPr id="8" name="TextBox 7"/>
+          <p:cNvSpPr txBox="1"/>
+          <p:nvPr/>
+        </p:nvSpPr>
+        <p:spPr>
+          <a:xfrm>
+            <a:off x="1475656" y="263347"/>
+            <a:ext cx="7416824" cy="646331"/>
+          </a:xfrm>
+          <a:prstGeom prst="rect">
+            <a:avLst/>
+          </a:prstGeom>
+          <a:solidFill>
+            <a:schemeClr val="tx2">
+              <a:lumMod val="40000"/>
+              <a:lumOff val="60000"/>
+            </a:schemeClr>
+          </a:solidFill>
+          <a:ln>
+            <a:noFill/>
+          </a:ln>
+        </p:spPr>
+        <p:txBody>
+          <a:bodyPr wrap="square" rtlCol="0">
+            <a:spAutoFit/>
+          </a:bodyPr>
+          <a:lstStyle/>
+          <a:p>
+            <a:pPr algn="ctr"/>
+            <a:endParaRPr lang="ru-RU" sz="3600" b="1" dirty="0">
+              <a:solidFill>
+                <a:schemeClr val="bg1"/>
+              </a:solidFill>
+            </a:endParaRPr>
+          </a:p>
+        </p:txBody>
+      </p:sp>
+      <p:sp>
+        <p:nvSpPr>
+          <p:cNvPr id="4" name="TextBox 3"/>
+          <p:cNvSpPr txBox="1"/>
+          <p:nvPr/>
+        </p:nvSpPr>
+        <p:spPr>
+          <a:xfrm>
+            <a:off x="296294" y="260648"/>
+            <a:ext cx="3499676" cy="646331"/>
+          </a:xfrm>
+          <a:prstGeom prst="rect">
+            <a:avLst/>
+          </a:prstGeom>
+          <a:solidFill>
+            <a:srgbClr val="0070C0"/>
+          </a:solidFill>
+          <a:ln>
+            <a:noFill/>
+          </a:ln>
+        </p:spPr>
+        <p:txBody>
+          <a:bodyPr wrap="none" rtlCol="0">
+            <a:spAutoFit/>
+          </a:bodyPr>
+          <a:lstStyle/>
+          <a:p>
+            <a:r>
+              <a:rPr lang="ru-RU" sz="3600" b="1" dirty="0" smtClean="0">
+                <a:solidFill>
+                  <a:schemeClr val="bg1"/>
+                </a:solidFill>
+              </a:rPr>
+              <a:t>Задача на курс 2</a:t>
+            </a:r>
+            <a:endParaRPr lang="ru-RU" sz="3600" b="1" dirty="0">
+              <a:solidFill>
+                <a:schemeClr val="bg1"/>
+              </a:solidFill>
+            </a:endParaRPr>
+          </a:p>
+        </p:txBody>
+      </p:sp>
+      <mc:AlternateContent xmlns:mc="http://schemas.openxmlformats.org/markup-compatibility/2006" xmlns:a14="http://schemas.microsoft.com/office/drawing/2010/main">
+        <mc:Choice Requires="a14">
+          <p:sp>
+            <p:nvSpPr>
+              <p:cNvPr id="6" name="TextBox 5"/>
+              <p:cNvSpPr txBox="1"/>
+              <p:nvPr/>
+            </p:nvSpPr>
+            <p:spPr>
+              <a:xfrm>
+                <a:off x="296293" y="1354220"/>
+                <a:ext cx="8463146" cy="4620047"/>
+              </a:xfrm>
+              <a:prstGeom prst="rect">
+                <a:avLst/>
+              </a:prstGeom>
+              <a:noFill/>
+            </p:spPr>
+            <p:txBody>
+              <a:bodyPr wrap="square" rtlCol="0">
+                <a:spAutoFit/>
+              </a:bodyPr>
+              <a:lstStyle/>
+              <a:p>
+                <a:pPr marL="457200" indent="-457200">
+                  <a:spcAft>
+                    <a:spcPts val="1200"/>
+                  </a:spcAft>
+                  <a:buClr>
+                    <a:srgbClr val="0070C0"/>
+                  </a:buClr>
+                  <a:buFont typeface="Arial" pitchFamily="34" charset="0"/>
+                  <a:buChar char="•"/>
+                </a:pPr>
+                <a:r>
+                  <a:rPr lang="ru-RU" sz="2000" dirty="0"/>
+                  <a:t>Прочитать с консоли координаты трёх точек на плоскости: </a:t>
+                </a:r>
+                <a:br>
+                  <a:rPr lang="ru-RU" sz="2000" dirty="0"/>
+                </a:br>
+                <a:r>
+                  <a:rPr lang="ru-RU" sz="2000" dirty="0"/>
+                  <a:t>(x1, y1), (x2, y2), (x3, y3)</a:t>
+                </a:r>
+              </a:p>
+              <a:p>
+                <a:pPr marL="457200" indent="-457200">
+                  <a:spcAft>
+                    <a:spcPts val="1200"/>
+                  </a:spcAft>
+                  <a:buClr>
+                    <a:srgbClr val="0070C0"/>
+                  </a:buClr>
+                  <a:buFont typeface="Arial" pitchFamily="34" charset="0"/>
+                  <a:buChar char="•"/>
+                </a:pPr>
+                <a:r>
+                  <a:rPr lang="ru-RU" sz="2000" dirty="0"/>
+                  <a:t>Вычислить и вывести на экран площадь данного </a:t>
+                </a:r>
+                <a:r>
+                  <a:rPr lang="ru-RU" sz="2000" dirty="0" smtClean="0"/>
+                  <a:t>треугольника</a:t>
+                </a:r>
+                <a:endParaRPr lang="ru-RU" sz="2000" dirty="0"/>
+              </a:p>
+              <a:p>
+                <a:pPr marL="457200" indent="-457200">
+                  <a:spcAft>
+                    <a:spcPts val="1200"/>
+                  </a:spcAft>
+                  <a:buClr>
+                    <a:srgbClr val="0070C0"/>
+                  </a:buClr>
+                  <a:buFont typeface="Arial" pitchFamily="34" charset="0"/>
+                  <a:buChar char="•"/>
+                </a:pPr>
+                <a:r>
+                  <a:rPr lang="ru-RU" sz="2000" dirty="0"/>
+                  <a:t>Для вычисления площади можно воспользоваться формулой Герона:</a:t>
+                </a:r>
+              </a:p>
+              <a:p>
+                <a:pPr marL="457200" indent="-457200">
+                  <a:spcAft>
+                    <a:spcPts val="1200"/>
+                  </a:spcAft>
+                  <a:buClr>
+                    <a:srgbClr val="0070C0"/>
+                  </a:buClr>
+                  <a:buFont typeface="Arial" pitchFamily="34" charset="0"/>
+                  <a:buChar char="•"/>
+                </a:pPr>
+                <a14:m>
+                  <m:oMath xmlns:m="http://schemas.openxmlformats.org/officeDocument/2006/math">
+                    <m:sSub>
+                      <m:sSubPr>
+                        <m:ctrlPr>
+                          <a:rPr lang="ru-RU" sz="2000" i="1">
+                            <a:latin typeface="Cambria Math"/>
+                          </a:rPr>
+                        </m:ctrlPr>
+                      </m:sSubPr>
+                      <m:e>
+                        <m:r>
+                          <a:rPr lang="en-US" sz="2000" i="1">
+                            <a:latin typeface="Cambria Math"/>
+                          </a:rPr>
+                          <m:t>𝑆</m:t>
+                        </m:r>
+                      </m:e>
+                      <m:sub>
+                        <m:r>
+                          <a:rPr lang="ru-RU" sz="2000" i="1">
+                            <a:latin typeface="Cambria Math"/>
+                            <a:ea typeface="Cambria Math"/>
+                          </a:rPr>
+                          <m:t>∆</m:t>
+                        </m:r>
+                      </m:sub>
+                    </m:sSub>
+                    <m:r>
+                      <a:rPr lang="en-US" sz="2000" i="1">
+                        <a:latin typeface="Cambria Math"/>
+                      </a:rPr>
+                      <m:t>=</m:t>
+                    </m:r>
+                    <m:rad>
+                      <m:radPr>
+                        <m:degHide m:val="on"/>
+                        <m:ctrlPr>
+                          <a:rPr lang="en-US" sz="2000" i="1">
+                            <a:latin typeface="Cambria Math"/>
+                          </a:rPr>
+                        </m:ctrlPr>
+                      </m:radPr>
+                      <m:deg/>
+                      <m:e>
+                        <m:r>
+                          <a:rPr lang="en-US" sz="2000" i="1">
+                            <a:latin typeface="Cambria Math"/>
+                          </a:rPr>
+                          <m:t>𝑝</m:t>
+                        </m:r>
+                        <m:r>
+                          <a:rPr lang="en-US" sz="2000" i="1">
+                            <a:latin typeface="Cambria Math"/>
+                          </a:rPr>
+                          <m:t>(</m:t>
+                        </m:r>
+                        <m:r>
+                          <a:rPr lang="en-US" sz="2000" i="1">
+                            <a:latin typeface="Cambria Math"/>
+                          </a:rPr>
+                          <m:t>𝑝</m:t>
+                        </m:r>
+                        <m:r>
+                          <a:rPr lang="en-US" sz="2000" i="1">
+                            <a:latin typeface="Cambria Math"/>
+                          </a:rPr>
+                          <m:t>−</m:t>
+                        </m:r>
+                        <m:r>
+                          <a:rPr lang="en-US" sz="2000" i="1">
+                            <a:latin typeface="Cambria Math"/>
+                          </a:rPr>
+                          <m:t>𝑎</m:t>
+                        </m:r>
+                        <m:r>
+                          <a:rPr lang="en-US" sz="2000" i="1">
+                            <a:latin typeface="Cambria Math"/>
+                          </a:rPr>
+                          <m:t>)(</m:t>
+                        </m:r>
+                        <m:r>
+                          <a:rPr lang="en-US" sz="2000" i="1">
+                            <a:latin typeface="Cambria Math"/>
+                          </a:rPr>
+                          <m:t>𝑝</m:t>
+                        </m:r>
+                        <m:r>
+                          <a:rPr lang="en-US" sz="2000" i="1">
+                            <a:latin typeface="Cambria Math"/>
+                          </a:rPr>
+                          <m:t>−</m:t>
+                        </m:r>
+                        <m:r>
+                          <a:rPr lang="en-US" sz="2000" i="1">
+                            <a:latin typeface="Cambria Math"/>
+                          </a:rPr>
+                          <m:t>𝑏</m:t>
+                        </m:r>
+                        <m:r>
+                          <a:rPr lang="en-US" sz="2000" i="1">
+                            <a:latin typeface="Cambria Math"/>
+                          </a:rPr>
+                          <m:t>)(</m:t>
+                        </m:r>
+                        <m:r>
+                          <a:rPr lang="en-US" sz="2000" i="1">
+                            <a:latin typeface="Cambria Math"/>
+                          </a:rPr>
+                          <m:t>𝑝</m:t>
+                        </m:r>
+                        <m:r>
+                          <a:rPr lang="en-US" sz="2000" i="1">
+                            <a:latin typeface="Cambria Math"/>
+                          </a:rPr>
+                          <m:t>−</m:t>
+                        </m:r>
+                        <m:r>
+                          <a:rPr lang="en-US" sz="2000" i="1">
+                            <a:latin typeface="Cambria Math"/>
+                          </a:rPr>
+                          <m:t>𝑐</m:t>
+                        </m:r>
+                        <m:r>
+                          <a:rPr lang="en-US" sz="2000" i="1">
+                            <a:latin typeface="Cambria Math"/>
+                          </a:rPr>
+                          <m:t>)</m:t>
+                        </m:r>
+                      </m:e>
+                    </m:rad>
+                    <m:r>
+                      <a:rPr lang="en-US" sz="2000" i="1">
+                        <a:latin typeface="Cambria Math"/>
+                      </a:rPr>
+                      <m:t>,</m:t>
+                    </m:r>
+                  </m:oMath>
+                </a14:m>
+                <a:r>
+                  <a:rPr lang="ru-RU" sz="2000" dirty="0" smtClean="0"/>
+                  <a:t> </a:t>
+                </a:r>
+                <a:r>
+                  <a:rPr lang="ru-RU" sz="2000" dirty="0"/>
+                  <a:t/>
+                </a:r>
+                <a:br>
+                  <a:rPr lang="ru-RU" sz="2000" dirty="0"/>
+                </a:br>
+                <a:r>
+                  <a:rPr lang="ru-RU" sz="2000" dirty="0"/>
+                  <a:t>где 𝑝 −полупериметр треугольника 𝑝=(𝑎+𝑏+𝑐)/2,</a:t>
+                </a:r>
+                <a:br>
+                  <a:rPr lang="ru-RU" sz="2000" dirty="0"/>
+                </a:br>
+                <a:r>
+                  <a:rPr lang="ru-RU" sz="2000" dirty="0"/>
+                  <a:t>𝑎, 𝑏, 𝑐 −длины сторон треугольника</a:t>
+                </a:r>
+              </a:p>
+              <a:p>
+                <a:pPr marL="457200" indent="-457200">
+                  <a:spcAft>
+                    <a:spcPts val="1200"/>
+                  </a:spcAft>
+                  <a:buClr>
+                    <a:srgbClr val="0070C0"/>
+                  </a:buClr>
+                  <a:buFont typeface="Arial" pitchFamily="34" charset="0"/>
+                  <a:buChar char="•"/>
+                </a:pPr>
+                <a:r>
+                  <a:rPr lang="ru-RU" sz="2000" dirty="0" smtClean="0"/>
+                  <a:t>* Проверить </a:t>
+                </a:r>
+                <a:r>
+                  <a:rPr lang="ru-RU" sz="2000" dirty="0"/>
+                  <a:t>на случай, когда эти точки лежат на одной прямой – в этом случае вычислять площадь не нужно, а нужно вывести сообщение об этом</a:t>
+                </a:r>
+              </a:p>
+              <a:p>
+                <a:pPr marL="457200" indent="-457200">
+                  <a:spcAft>
+                    <a:spcPts val="1200"/>
+                  </a:spcAft>
+                  <a:buClr>
+                    <a:srgbClr val="0070C0"/>
+                  </a:buClr>
+                  <a:buFont typeface="Arial" pitchFamily="34" charset="0"/>
+                  <a:buChar char="•"/>
+                </a:pPr>
+                <a:r>
+                  <a:rPr lang="ru-RU" sz="2000" dirty="0"/>
+                  <a:t>Для вычисления корня использовать команду </a:t>
+                </a:r>
+                <a:br>
+                  <a:rPr lang="ru-RU" sz="2000" dirty="0"/>
+                </a:br>
+                <a:r>
+                  <a:rPr lang="ru-RU" sz="2000" dirty="0" err="1"/>
+                  <a:t>Math.sqrt</a:t>
+                </a:r>
+                <a:r>
+                  <a:rPr lang="ru-RU" sz="2000" dirty="0"/>
+                  <a:t>(значение)</a:t>
+                </a:r>
+              </a:p>
+            </p:txBody>
+          </p:sp>
+        </mc:Choice>
+        <mc:Fallback xmlns="">
+          <p:sp>
+            <p:nvSpPr>
+              <p:cNvPr id="6" name="TextBox 5"/>
+              <p:cNvSpPr txBox="1">
+                <a:spLocks noRot="1" noChangeAspect="1" noMove="1" noResize="1" noEditPoints="1" noAdjustHandles="1" noChangeArrowheads="1" noChangeShapeType="1" noTextEdit="1"/>
+              </p:cNvSpPr>
+              <p:nvPr/>
+            </p:nvSpPr>
+            <p:spPr>
+              <a:xfrm>
+                <a:off x="296293" y="1354220"/>
+                <a:ext cx="8463146" cy="4620047"/>
+              </a:xfrm>
+              <a:prstGeom prst="rect">
+                <a:avLst/>
+              </a:prstGeom>
+              <a:blipFill rotWithShape="1">
+                <a:blip r:embed="rId2"/>
+                <a:stretch>
+                  <a:fillRect l="-648" t="-660" r="-937" b="-1451"/>
+                </a:stretch>
+              </a:blipFill>
+            </p:spPr>
+            <p:txBody>
+              <a:bodyPr/>
+              <a:lstStyle/>
+              <a:p>
+                <a:r>
+                  <a:rPr lang="ru-RU">
+                    <a:noFill/>
+                  </a:rPr>
+                  <a:t> </a:t>
+                </a:r>
+              </a:p>
+            </p:txBody>
+          </p:sp>
+        </mc:Fallback>
+      </mc:AlternateContent>
+    </p:spTree>
+    <p:extLst>
+      <p:ext uri="{BB962C8B-B14F-4D97-AF65-F5344CB8AC3E}">
+        <p14:creationId xmlns:p14="http://schemas.microsoft.com/office/powerpoint/2010/main" val="2524247726"/>
+      </p:ext>
+    </p:extLst>
+  </p:cSld>
+  <p:clrMapOvr>
+    <a:masterClrMapping/>
+  </p:clrMapOvr>
+  <p:timing>
+    <p:tnLst>
+      <p:par>
+        <p:cTn id="1" dur="indefinite" restart="never" nodeType="tmRoot"/>
+      </p:par>
+    </p:tnLst>
+  </p:timing>
+</p:sld>
+</file>
+
+<file path=ppt/slides/slide5.xml><?xml version="1.0" encoding="utf-8"?>
+<p:sld xmlns:a="http://schemas.openxmlformats.org/drawingml/2006/main" xmlns:r="http://schemas.openxmlformats.org/officeDocument/2006/relationships" xmlns:p="http://schemas.openxmlformats.org/presentationml/2006/main">
+  <p:cSld>
+    <p:spTree>
+      <p:nvGrpSpPr>
+        <p:cNvPr id="1" name=""/>
+        <p:cNvGrpSpPr/>
+        <p:nvPr/>
+      </p:nvGrpSpPr>
+      <p:grpSpPr>
+        <a:xfrm>
+          <a:off x="0" y="0"/>
+          <a:ext cx="0" cy="0"/>
+          <a:chOff x="0" y="0"/>
+          <a:chExt cx="0" cy="0"/>
+        </a:xfrm>
+      </p:grpSpPr>
+      <p:sp>
+        <p:nvSpPr>
+          <p:cNvPr id="8" name="TextBox 7"/>
+          <p:cNvSpPr txBox="1"/>
+          <p:nvPr/>
+        </p:nvSpPr>
+        <p:spPr>
+          <a:xfrm>
+            <a:off x="1475656" y="263347"/>
+            <a:ext cx="7416824" cy="646331"/>
+          </a:xfrm>
+          <a:prstGeom prst="rect">
+            <a:avLst/>
+          </a:prstGeom>
+          <a:solidFill>
+            <a:schemeClr val="tx2">
+              <a:lumMod val="40000"/>
+              <a:lumOff val="60000"/>
+            </a:schemeClr>
+          </a:solidFill>
+          <a:ln>
+            <a:noFill/>
+          </a:ln>
+        </p:spPr>
+        <p:txBody>
+          <a:bodyPr wrap="square" rtlCol="0">
+            <a:spAutoFit/>
+          </a:bodyPr>
+          <a:lstStyle/>
+          <a:p>
+            <a:pPr algn="ctr"/>
+            <a:endParaRPr lang="ru-RU" sz="3600" b="1" dirty="0">
+              <a:solidFill>
+                <a:schemeClr val="bg1"/>
+              </a:solidFill>
+            </a:endParaRPr>
+          </a:p>
+        </p:txBody>
+      </p:sp>
+      <p:sp>
+        <p:nvSpPr>
+          <p:cNvPr id="4" name="TextBox 3"/>
+          <p:cNvSpPr txBox="1"/>
+          <p:nvPr/>
+        </p:nvSpPr>
+        <p:spPr>
+          <a:xfrm>
+            <a:off x="296294" y="260648"/>
+            <a:ext cx="3499676" cy="646331"/>
+          </a:xfrm>
+          <a:prstGeom prst="rect">
+            <a:avLst/>
+          </a:prstGeom>
+          <a:solidFill>
+            <a:srgbClr val="0070C0"/>
+          </a:solidFill>
+          <a:ln>
+            <a:noFill/>
+          </a:ln>
+        </p:spPr>
+        <p:txBody>
+          <a:bodyPr wrap="none" rtlCol="0">
+            <a:spAutoFit/>
+          </a:bodyPr>
+          <a:lstStyle/>
+          <a:p>
+            <a:r>
+              <a:rPr lang="ru-RU" sz="3600" b="1" dirty="0" smtClean="0">
+                <a:solidFill>
+                  <a:schemeClr val="bg1"/>
+                </a:solidFill>
+              </a:rPr>
+              <a:t>Задача на курс 3</a:t>
+            </a:r>
+            <a:endParaRPr lang="ru-RU" sz="3600" b="1" dirty="0">
+              <a:solidFill>
+                <a:schemeClr val="bg1"/>
+              </a:solidFill>
+            </a:endParaRPr>
+          </a:p>
+        </p:txBody>
+      </p:sp>
+      <mc:AlternateContent xmlns:mc="http://schemas.openxmlformats.org/markup-compatibility/2006" xmlns:a14="http://schemas.microsoft.com/office/drawing/2010/main">
+        <mc:Choice Requires="a14">
+          <p:sp>
+            <p:nvSpPr>
+              <p:cNvPr id="6" name="TextBox 5"/>
+              <p:cNvSpPr txBox="1"/>
+              <p:nvPr/>
+            </p:nvSpPr>
+            <p:spPr>
+              <a:xfrm>
+                <a:off x="296293" y="1354220"/>
+                <a:ext cx="8463146" cy="3508653"/>
+              </a:xfrm>
+              <a:prstGeom prst="rect">
+                <a:avLst/>
+              </a:prstGeom>
+              <a:noFill/>
+            </p:spPr>
+            <p:txBody>
+              <a:bodyPr wrap="square" rtlCol="0">
+                <a:spAutoFit/>
+              </a:bodyPr>
+              <a:lstStyle/>
+              <a:p>
+                <a:pPr marL="457200" indent="-457200">
+                  <a:spcAft>
+                    <a:spcPts val="1200"/>
+                  </a:spcAft>
+                  <a:buClr>
+                    <a:srgbClr val="0070C0"/>
+                  </a:buClr>
+                  <a:buFont typeface="Arial" pitchFamily="34" charset="0"/>
+                  <a:buChar char="•"/>
+                </a:pPr>
+                <a:r>
+                  <a:rPr lang="ru-RU" sz="2400" dirty="0"/>
+                  <a:t>Прочитать с консоли коэффициенты a, b и c квадратного уравнения </a:t>
+                </a:r>
+                <a14:m>
+                  <m:oMath xmlns:m="http://schemas.openxmlformats.org/officeDocument/2006/math">
+                    <m:r>
+                      <a:rPr lang="en-US" sz="2400" i="1">
+                        <a:latin typeface="Cambria Math"/>
+                      </a:rPr>
+                      <m:t>𝑎</m:t>
+                    </m:r>
+                    <m:sSup>
+                      <m:sSupPr>
+                        <m:ctrlPr>
+                          <a:rPr lang="en-US" sz="2400" i="1">
+                            <a:latin typeface="Cambria Math"/>
+                          </a:rPr>
+                        </m:ctrlPr>
+                      </m:sSupPr>
+                      <m:e>
+                        <m:r>
+                          <a:rPr lang="en-US" sz="2400" i="1">
+                            <a:latin typeface="Cambria Math"/>
+                          </a:rPr>
+                          <m:t>𝑥</m:t>
+                        </m:r>
+                      </m:e>
+                      <m:sup>
+                        <m:r>
+                          <a:rPr lang="en-US" sz="2400" i="1">
+                            <a:latin typeface="Cambria Math"/>
+                          </a:rPr>
+                          <m:t>2</m:t>
+                        </m:r>
+                      </m:sup>
+                    </m:sSup>
+                    <m:r>
+                      <a:rPr lang="en-US" sz="2400" i="1">
+                        <a:latin typeface="Cambria Math"/>
+                      </a:rPr>
+                      <m:t>+</m:t>
+                    </m:r>
+                    <m:r>
+                      <a:rPr lang="en-US" sz="2400" i="1">
+                        <a:latin typeface="Cambria Math"/>
+                      </a:rPr>
+                      <m:t>𝑏𝑥</m:t>
+                    </m:r>
+                    <m:r>
+                      <a:rPr lang="en-US" sz="2400" i="1">
+                        <a:latin typeface="Cambria Math"/>
+                      </a:rPr>
+                      <m:t>+</m:t>
+                    </m:r>
+                    <m:r>
+                      <a:rPr lang="en-US" sz="2400" i="1">
+                        <a:latin typeface="Cambria Math"/>
+                      </a:rPr>
+                      <m:t>𝑐</m:t>
+                    </m:r>
+                    <m:r>
+                      <a:rPr lang="en-US" sz="2400" i="1">
+                        <a:latin typeface="Cambria Math"/>
+                      </a:rPr>
+                      <m:t>=0</m:t>
+                    </m:r>
+                  </m:oMath>
+                </a14:m>
+                <a:r>
+                  <a:rPr lang="ru-RU" sz="2400" dirty="0"/>
+                  <a:t> и найти решение этого уравнения</a:t>
+                </a:r>
+              </a:p>
+              <a:p>
+                <a:pPr marL="457200" indent="-457200">
+                  <a:spcAft>
+                    <a:spcPts val="1200"/>
+                  </a:spcAft>
+                  <a:buClr>
+                    <a:srgbClr val="0070C0"/>
+                  </a:buClr>
+                  <a:buFont typeface="Arial" pitchFamily="34" charset="0"/>
+                  <a:buChar char="•"/>
+                </a:pPr>
+                <a:r>
+                  <a:rPr lang="ru-RU" sz="2400" dirty="0"/>
+                  <a:t>Не забыть рассмотреть все 3 случая – когда есть 2 корня, 1 корень и нет </a:t>
+                </a:r>
+                <a:r>
+                  <a:rPr lang="ru-RU" sz="2400" dirty="0" smtClean="0"/>
+                  <a:t>решений</a:t>
+                </a:r>
+              </a:p>
+              <a:p>
+                <a:pPr marL="457200" indent="-457200">
+                  <a:spcAft>
+                    <a:spcPts val="1200"/>
+                  </a:spcAft>
+                  <a:buClr>
+                    <a:srgbClr val="0070C0"/>
+                  </a:buClr>
+                  <a:buFont typeface="Arial" pitchFamily="34" charset="0"/>
+                  <a:buChar char="•"/>
+                </a:pPr>
+                <a:r>
+                  <a:rPr lang="ru-RU" sz="2400" dirty="0" smtClean="0"/>
+                  <a:t>* Рассмотреть случаи когда </a:t>
+                </a:r>
+                <a:r>
+                  <a:rPr lang="en-US" sz="2400" dirty="0" smtClean="0"/>
+                  <a:t>a </a:t>
+                </a:r>
+                <a:r>
+                  <a:rPr lang="ru-RU" sz="2400" dirty="0" smtClean="0"/>
+                  <a:t>и </a:t>
+                </a:r>
+                <a:r>
+                  <a:rPr lang="en-US" sz="2400" dirty="0" smtClean="0"/>
+                  <a:t>b </a:t>
+                </a:r>
+                <a:r>
+                  <a:rPr lang="ru-RU" sz="2400" dirty="0" smtClean="0"/>
+                  <a:t>равны нулю</a:t>
+                </a:r>
+              </a:p>
+              <a:p>
+                <a:pPr marL="457200" indent="-457200">
+                  <a:spcAft>
+                    <a:spcPts val="1200"/>
+                  </a:spcAft>
+                  <a:buClr>
+                    <a:srgbClr val="0070C0"/>
+                  </a:buClr>
+                  <a:buFont typeface="Arial" pitchFamily="34" charset="0"/>
+                  <a:buChar char="•"/>
+                </a:pPr>
+                <a:r>
+                  <a:rPr lang="ru-RU" sz="2400" dirty="0" smtClean="0"/>
+                  <a:t>* Вывести уравнение на консоль в виде</a:t>
+                </a:r>
+                <a:r>
+                  <a:rPr lang="en-US" sz="2400" dirty="0" smtClean="0"/>
+                  <a:t> </a:t>
+                </a:r>
+                <a:r>
+                  <a:rPr lang="ru-RU" sz="2400" dirty="0" smtClean="0"/>
+                  <a:t/>
+                </a:r>
+                <a:br>
+                  <a:rPr lang="ru-RU" sz="2400" dirty="0" smtClean="0"/>
+                </a:br>
+                <a14:m>
+                  <m:oMath xmlns:m="http://schemas.openxmlformats.org/officeDocument/2006/math">
+                    <m:r>
+                      <a:rPr lang="en-US" sz="2400" i="1">
+                        <a:latin typeface="Cambria Math"/>
+                      </a:rPr>
+                      <m:t>𝑎</m:t>
+                    </m:r>
+                    <m:sSup>
+                      <m:sSupPr>
+                        <m:ctrlPr>
+                          <a:rPr lang="en-US" sz="2400" i="1">
+                            <a:latin typeface="Cambria Math"/>
+                          </a:rPr>
+                        </m:ctrlPr>
+                      </m:sSupPr>
+                      <m:e>
+                        <m:r>
+                          <a:rPr lang="en-US" sz="2400" i="1">
+                            <a:latin typeface="Cambria Math"/>
+                          </a:rPr>
+                          <m:t>𝑥</m:t>
+                        </m:r>
+                      </m:e>
+                      <m:sup>
+                        <m:r>
+                          <a:rPr lang="en-US" sz="2400" i="1">
+                            <a:latin typeface="Cambria Math"/>
+                          </a:rPr>
+                          <m:t>2</m:t>
+                        </m:r>
+                      </m:sup>
+                    </m:sSup>
+                    <m:r>
+                      <a:rPr lang="en-US" sz="2400" i="1">
+                        <a:latin typeface="Cambria Math"/>
+                      </a:rPr>
+                      <m:t>+</m:t>
+                    </m:r>
+                    <m:r>
+                      <a:rPr lang="en-US" sz="2400" i="1">
+                        <a:latin typeface="Cambria Math"/>
+                      </a:rPr>
+                      <m:t>𝑏𝑥</m:t>
+                    </m:r>
+                    <m:r>
+                      <a:rPr lang="en-US" sz="2400" i="1">
+                        <a:latin typeface="Cambria Math"/>
+                      </a:rPr>
+                      <m:t>+</m:t>
+                    </m:r>
+                    <m:r>
+                      <a:rPr lang="en-US" sz="2400" i="1">
+                        <a:latin typeface="Cambria Math"/>
+                      </a:rPr>
+                      <m:t>𝑐</m:t>
+                    </m:r>
+                    <m:r>
+                      <a:rPr lang="en-US" sz="2400" i="1">
+                        <a:latin typeface="Cambria Math"/>
+                      </a:rPr>
+                      <m:t>=0</m:t>
+                    </m:r>
+                  </m:oMath>
+                </a14:m>
+                <a:r>
+                  <a:rPr lang="ru-RU" sz="2400" dirty="0" smtClean="0"/>
+                  <a:t> </a:t>
+                </a:r>
+                <a:r>
+                  <a:rPr lang="en-US" sz="2400" dirty="0" smtClean="0"/>
+                  <a:t>            </a:t>
+                </a:r>
+                <a:endParaRPr lang="ru-RU" sz="2400" dirty="0" smtClean="0"/>
+              </a:p>
+            </p:txBody>
+          </p:sp>
+        </mc:Choice>
+        <mc:Fallback xmlns="">
+          <p:sp>
+            <p:nvSpPr>
+              <p:cNvPr id="6" name="TextBox 5"/>
+              <p:cNvSpPr txBox="1">
+                <a:spLocks noRot="1" noChangeAspect="1" noMove="1" noResize="1" noEditPoints="1" noAdjustHandles="1" noChangeArrowheads="1" noChangeShapeType="1" noTextEdit="1"/>
+              </p:cNvSpPr>
+              <p:nvPr/>
+            </p:nvSpPr>
+            <p:spPr>
+              <a:xfrm>
+                <a:off x="296293" y="1354220"/>
+                <a:ext cx="8463146" cy="3508653"/>
+              </a:xfrm>
+              <a:prstGeom prst="rect">
+                <a:avLst/>
+              </a:prstGeom>
+              <a:blipFill rotWithShape="1">
+                <a:blip r:embed="rId2"/>
+                <a:stretch>
+                  <a:fillRect l="-1009" t="-1389"/>
+                </a:stretch>
+              </a:blipFill>
+            </p:spPr>
+            <p:txBody>
+              <a:bodyPr/>
+              <a:lstStyle/>
+              <a:p>
+                <a:r>
+                  <a:rPr lang="ru-RU">
+                    <a:noFill/>
+                  </a:rPr>
+                  <a:t> </a:t>
+                </a:r>
+              </a:p>
+            </p:txBody>
+          </p:sp>
+        </mc:Fallback>
+      </mc:AlternateContent>
+    </p:spTree>
+    <p:extLst>
+      <p:ext uri="{BB962C8B-B14F-4D97-AF65-F5344CB8AC3E}">
+        <p14:creationId xmlns:p14="http://schemas.microsoft.com/office/powerpoint/2010/main" val="2092860572"/>
+      </p:ext>
+    </p:extLst>
+  </p:cSld>
+  <p:clrMapOvr>
+    <a:masterClrMapping/>
+  </p:clrMapOvr>
+  <p:timing>
+    <p:tnLst>
+      <p:par>
+        <p:cTn id="1" dur="indefinite" restart="never" nodeType="tmRoot"/>
+      </p:par>
+    </p:tnLst>
+  </p:timing>
+</p:sld>
+</file>
+
+<file path=ppt/slides/slide6.xml><?xml version="1.0" encoding="utf-8"?>
 <p:sld xmlns:a="http://schemas.openxmlformats.org/drawingml/2006/main" xmlns:r="http://schemas.openxmlformats.org/officeDocument/2006/relationships" xmlns:p="http://schemas.openxmlformats.org/presentationml/2006/main">
   <p:cSld>
     <p:spTree>

--- a/src/сourse/course_task.pptx
+++ b/src/сourse/course_task.pptx
@@ -10,7 +10,9 @@
     <p:sldId id="259" r:id="rId4"/>
     <p:sldId id="260" r:id="rId5"/>
     <p:sldId id="261" r:id="rId6"/>
-    <p:sldId id="256" r:id="rId7"/>
+    <p:sldId id="262" r:id="rId7"/>
+    <p:sldId id="263" r:id="rId8"/>
+    <p:sldId id="256" r:id="rId9"/>
   </p:sldIdLst>
   <p:sldSz cx="9144000" cy="6858000" type="screen4x3"/>
   <p:notesSz cx="6858000" cy="9144000"/>
@@ -4530,6 +4532,380 @@
       </p:grpSpPr>
       <p:sp>
         <p:nvSpPr>
+          <p:cNvPr id="4" name="TextBox 3"/>
+          <p:cNvSpPr txBox="1"/>
+          <p:nvPr/>
+        </p:nvSpPr>
+        <p:spPr>
+          <a:xfrm>
+            <a:off x="2254074" y="2132856"/>
+            <a:ext cx="4613764" cy="1754326"/>
+          </a:xfrm>
+          <a:prstGeom prst="rect">
+            <a:avLst/>
+          </a:prstGeom>
+          <a:solidFill>
+            <a:srgbClr val="0070C0"/>
+          </a:solidFill>
+          <a:ln>
+            <a:noFill/>
+          </a:ln>
+        </p:spPr>
+        <p:txBody>
+          <a:bodyPr wrap="none" rtlCol="0">
+            <a:spAutoFit/>
+          </a:bodyPr>
+          <a:lstStyle/>
+          <a:p>
+            <a:pPr algn="ctr"/>
+            <a:r>
+              <a:rPr lang="ru-RU" sz="3600" b="1" dirty="0" smtClean="0">
+                <a:solidFill>
+                  <a:schemeClr val="bg1"/>
+                </a:solidFill>
+              </a:rPr>
+              <a:t>Лекция 4.</a:t>
+            </a:r>
+            <a:br>
+              <a:rPr lang="ru-RU" sz="3600" b="1" dirty="0" smtClean="0">
+                <a:solidFill>
+                  <a:schemeClr val="bg1"/>
+                </a:solidFill>
+              </a:rPr>
+            </a:br>
+            <a:r>
+              <a:rPr lang="ru-RU" sz="3600" b="1" dirty="0" smtClean="0">
+                <a:solidFill>
+                  <a:schemeClr val="bg1"/>
+                </a:solidFill>
+              </a:rPr>
+              <a:t>Оператор </a:t>
+            </a:r>
+            <a:r>
+              <a:rPr lang="en-US" sz="3600" b="1" dirty="0" smtClean="0">
+                <a:solidFill>
+                  <a:schemeClr val="bg1"/>
+                </a:solidFill>
+              </a:rPr>
+              <a:t>switch.</a:t>
+            </a:r>
+            <a:r>
+              <a:rPr lang="ru-RU" sz="3600" b="1" dirty="0" smtClean="0">
+                <a:solidFill>
+                  <a:schemeClr val="bg1"/>
+                </a:solidFill>
+              </a:rPr>
+              <a:t/>
+            </a:r>
+            <a:br>
+              <a:rPr lang="ru-RU" sz="3600" b="1" dirty="0" smtClean="0">
+                <a:solidFill>
+                  <a:schemeClr val="bg1"/>
+                </a:solidFill>
+              </a:rPr>
+            </a:br>
+            <a:r>
+              <a:rPr lang="ru-RU" sz="3600" b="1" dirty="0" smtClean="0">
+                <a:solidFill>
+                  <a:schemeClr val="bg1"/>
+                </a:solidFill>
+              </a:rPr>
+              <a:t>Циклы </a:t>
+            </a:r>
+            <a:r>
+              <a:rPr lang="en-US" sz="3600" b="1" dirty="0" smtClean="0">
+                <a:solidFill>
+                  <a:schemeClr val="bg1"/>
+                </a:solidFill>
+              </a:rPr>
+              <a:t>while, do-while</a:t>
+            </a:r>
+            <a:endParaRPr lang="ru-RU" sz="3600" b="1" dirty="0">
+              <a:solidFill>
+                <a:schemeClr val="bg1"/>
+              </a:solidFill>
+            </a:endParaRPr>
+          </a:p>
+        </p:txBody>
+      </p:sp>
+    </p:spTree>
+    <p:extLst>
+      <p:ext uri="{BB962C8B-B14F-4D97-AF65-F5344CB8AC3E}">
+        <p14:creationId xmlns:p14="http://schemas.microsoft.com/office/powerpoint/2010/main" val="4151183311"/>
+      </p:ext>
+    </p:extLst>
+  </p:cSld>
+  <p:clrMapOvr>
+    <a:masterClrMapping/>
+  </p:clrMapOvr>
+  <p:timing>
+    <p:tnLst>
+      <p:par>
+        <p:cTn id="1" dur="indefinite" restart="never" nodeType="tmRoot"/>
+      </p:par>
+    </p:tnLst>
+  </p:timing>
+</p:sld>
+</file>
+
+<file path=ppt/slides/slide7.xml><?xml version="1.0" encoding="utf-8"?>
+<p:sld xmlns:a="http://schemas.openxmlformats.org/drawingml/2006/main" xmlns:r="http://schemas.openxmlformats.org/officeDocument/2006/relationships" xmlns:p="http://schemas.openxmlformats.org/presentationml/2006/main">
+  <p:cSld>
+    <p:spTree>
+      <p:nvGrpSpPr>
+        <p:cNvPr id="1" name=""/>
+        <p:cNvGrpSpPr/>
+        <p:nvPr/>
+      </p:nvGrpSpPr>
+      <p:grpSpPr>
+        <a:xfrm>
+          <a:off x="0" y="0"/>
+          <a:ext cx="0" cy="0"/>
+          <a:chOff x="0" y="0"/>
+          <a:chExt cx="0" cy="0"/>
+        </a:xfrm>
+      </p:grpSpPr>
+      <p:sp>
+        <p:nvSpPr>
+          <p:cNvPr id="8" name="TextBox 7"/>
+          <p:cNvSpPr txBox="1"/>
+          <p:nvPr/>
+        </p:nvSpPr>
+        <p:spPr>
+          <a:xfrm>
+            <a:off x="1475656" y="263347"/>
+            <a:ext cx="7416824" cy="646331"/>
+          </a:xfrm>
+          <a:prstGeom prst="rect">
+            <a:avLst/>
+          </a:prstGeom>
+          <a:solidFill>
+            <a:schemeClr val="tx2">
+              <a:lumMod val="40000"/>
+              <a:lumOff val="60000"/>
+            </a:schemeClr>
+          </a:solidFill>
+          <a:ln>
+            <a:noFill/>
+          </a:ln>
+        </p:spPr>
+        <p:txBody>
+          <a:bodyPr wrap="square" rtlCol="0">
+            <a:spAutoFit/>
+          </a:bodyPr>
+          <a:lstStyle/>
+          <a:p>
+            <a:pPr algn="ctr"/>
+            <a:endParaRPr lang="ru-RU" sz="3600" b="1" dirty="0">
+              <a:solidFill>
+                <a:schemeClr val="bg1"/>
+              </a:solidFill>
+            </a:endParaRPr>
+          </a:p>
+        </p:txBody>
+      </p:sp>
+      <p:sp>
+        <p:nvSpPr>
+          <p:cNvPr id="4" name="TextBox 3"/>
+          <p:cNvSpPr txBox="1"/>
+          <p:nvPr/>
+        </p:nvSpPr>
+        <p:spPr>
+          <a:xfrm>
+            <a:off x="296294" y="260648"/>
+            <a:ext cx="3161443" cy="646331"/>
+          </a:xfrm>
+          <a:prstGeom prst="rect">
+            <a:avLst/>
+          </a:prstGeom>
+          <a:solidFill>
+            <a:srgbClr val="0070C0"/>
+          </a:solidFill>
+          <a:ln>
+            <a:noFill/>
+          </a:ln>
+        </p:spPr>
+        <p:txBody>
+          <a:bodyPr wrap="none" rtlCol="0">
+            <a:spAutoFit/>
+          </a:bodyPr>
+          <a:lstStyle/>
+          <a:p>
+            <a:r>
+              <a:rPr lang="ru-RU" sz="3600" b="1" dirty="0" smtClean="0">
+                <a:solidFill>
+                  <a:schemeClr val="bg1"/>
+                </a:solidFill>
+              </a:rPr>
+              <a:t>Задача на курс</a:t>
+            </a:r>
+            <a:endParaRPr lang="ru-RU" sz="3600" b="1" dirty="0">
+              <a:solidFill>
+                <a:schemeClr val="bg1"/>
+              </a:solidFill>
+            </a:endParaRPr>
+          </a:p>
+        </p:txBody>
+      </p:sp>
+      <p:sp>
+        <p:nvSpPr>
+          <p:cNvPr id="6" name="TextBox 5"/>
+          <p:cNvSpPr txBox="1"/>
+          <p:nvPr/>
+        </p:nvSpPr>
+        <p:spPr>
+          <a:xfrm>
+            <a:off x="296293" y="1354220"/>
+            <a:ext cx="8463146" cy="2554545"/>
+          </a:xfrm>
+          <a:prstGeom prst="rect">
+            <a:avLst/>
+          </a:prstGeom>
+          <a:noFill/>
+        </p:spPr>
+        <p:txBody>
+          <a:bodyPr wrap="square" rtlCol="0">
+            <a:spAutoFit/>
+          </a:bodyPr>
+          <a:lstStyle/>
+          <a:p>
+            <a:pPr marL="457200" indent="-457200">
+              <a:spcAft>
+                <a:spcPts val="1200"/>
+              </a:spcAft>
+              <a:buClr>
+                <a:srgbClr val="0070C0"/>
+              </a:buClr>
+              <a:buFont typeface="Arial" pitchFamily="34" charset="0"/>
+              <a:buChar char="•"/>
+            </a:pPr>
+            <a:r>
+              <a:rPr lang="ru-RU" sz="2800" dirty="0"/>
+              <a:t>Написать программу, которая принимает с консоли целое число n и возвращает число Фибоначчи с номером n.</a:t>
+            </a:r>
+          </a:p>
+          <a:p>
+            <a:pPr marL="457200" indent="-457200">
+              <a:spcAft>
+                <a:spcPts val="1200"/>
+              </a:spcAft>
+              <a:buClr>
+                <a:srgbClr val="0070C0"/>
+              </a:buClr>
+              <a:buFont typeface="Arial" pitchFamily="34" charset="0"/>
+              <a:buChar char="•"/>
+            </a:pPr>
+            <a:r>
+              <a:rPr lang="ru-RU" sz="2800" dirty="0"/>
+              <a:t>Числа Фибоначчи задаются следующим </a:t>
+            </a:r>
+            <a:r>
+              <a:rPr lang="ru-RU" sz="2800" dirty="0" smtClean="0"/>
+              <a:t>образом:</a:t>
+            </a:r>
+          </a:p>
+          <a:p>
+            <a:pPr marL="457200" indent="-457200">
+              <a:spcAft>
+                <a:spcPts val="1200"/>
+              </a:spcAft>
+              <a:buClr>
+                <a:srgbClr val="0070C0"/>
+              </a:buClr>
+              <a:buFont typeface="Arial" pitchFamily="34" charset="0"/>
+              <a:buChar char="•"/>
+            </a:pPr>
+            <a:r>
+              <a:rPr lang="en-US" sz="2800" dirty="0" err="1" smtClean="0"/>
+              <a:t>f</a:t>
+            </a:r>
+            <a:r>
+              <a:rPr lang="en-US" sz="2800" baseline="-25000" dirty="0" err="1" smtClean="0"/>
+              <a:t>o</a:t>
+            </a:r>
+            <a:r>
+              <a:rPr lang="en-US" sz="2800" dirty="0" smtClean="0"/>
+              <a:t> </a:t>
+            </a:r>
+            <a:r>
+              <a:rPr lang="en-US" sz="2800" dirty="0"/>
+              <a:t>= 0, f</a:t>
+            </a:r>
+            <a:r>
+              <a:rPr lang="en-US" sz="2800" baseline="-25000" dirty="0"/>
+              <a:t>1</a:t>
+            </a:r>
+            <a:r>
+              <a:rPr lang="en-US" sz="2800" dirty="0"/>
+              <a:t> = 1, </a:t>
+            </a:r>
+            <a:r>
+              <a:rPr lang="en-US" sz="2800" dirty="0" err="1"/>
+              <a:t>f</a:t>
+            </a:r>
+            <a:r>
+              <a:rPr lang="en-US" sz="2800" baseline="-25000" dirty="0" err="1"/>
+              <a:t>n</a:t>
+            </a:r>
+            <a:r>
+              <a:rPr lang="en-US" sz="2800" dirty="0"/>
+              <a:t> = f</a:t>
+            </a:r>
+            <a:r>
+              <a:rPr lang="en-US" sz="2800" baseline="-25000" dirty="0"/>
+              <a:t>n-1 </a:t>
+            </a:r>
+            <a:r>
+              <a:rPr lang="en-US" sz="2800" dirty="0"/>
+              <a:t>+ f</a:t>
+            </a:r>
+            <a:r>
+              <a:rPr lang="en-US" sz="2800" baseline="-25000" dirty="0"/>
+              <a:t>n-2</a:t>
+            </a:r>
+            <a:endParaRPr lang="ru-RU" sz="2800" dirty="0"/>
+          </a:p>
+        </p:txBody>
+      </p:sp>
+    </p:spTree>
+    <p:extLst>
+      <p:ext uri="{BB962C8B-B14F-4D97-AF65-F5344CB8AC3E}">
+        <p14:creationId xmlns:p14="http://schemas.microsoft.com/office/powerpoint/2010/main" val="55684702"/>
+      </p:ext>
+    </p:extLst>
+  </p:cSld>
+  <p:clrMapOvr>
+    <a:masterClrMapping/>
+  </p:clrMapOvr>
+  <p:timing>
+    <p:tnLst>
+      <p:par>
+        <p:cTn id="1" dur="indefinite" restart="never" nodeType="tmRoot"/>
+      </p:par>
+    </p:tnLst>
+  </p:timing>
+</p:sld>
+</file>
+
+<file path=ppt/slides/slide8.xml><?xml version="1.0" encoding="utf-8"?>
+<p:sld xmlns:a="http://schemas.openxmlformats.org/drawingml/2006/main" xmlns:r="http://schemas.openxmlformats.org/officeDocument/2006/relationships" xmlns:p="http://schemas.openxmlformats.org/presentationml/2006/main">
+  <p:cSld>
+    <p:spTree>
+      <p:nvGrpSpPr>
+        <p:cNvPr id="1" name=""/>
+        <p:cNvGrpSpPr/>
+        <p:nvPr/>
+      </p:nvGrpSpPr>
+      <p:grpSpPr>
+        <a:xfrm>
+          <a:off x="0" y="0"/>
+          <a:ext cx="0" cy="0"/>
+          <a:chOff x="0" y="0"/>
+          <a:chExt cx="0" cy="0"/>
+        </a:xfrm>
+      </p:grpSpPr>
+      <p:sp>
+        <p:nvSpPr>
           <p:cNvPr id="2" name="Заголовок 1"/>
           <p:cNvSpPr>
             <a:spLocks noGrp="1"/>

--- a/src/сourse/course_task.pptx
+++ b/src/сourse/course_task.pptx
@@ -12,7 +12,11 @@
     <p:sldId id="261" r:id="rId6"/>
     <p:sldId id="262" r:id="rId7"/>
     <p:sldId id="263" r:id="rId8"/>
-    <p:sldId id="256" r:id="rId9"/>
+    <p:sldId id="264" r:id="rId9"/>
+    <p:sldId id="265" r:id="rId10"/>
+    <p:sldId id="266" r:id="rId11"/>
+    <p:sldId id="267" r:id="rId12"/>
+    <p:sldId id="256" r:id="rId13"/>
   </p:sldIdLst>
   <p:sldSz cx="9144000" cy="6858000" type="screen4x3"/>
   <p:notesSz cx="6858000" cy="9144000"/>
@@ -3241,6 +3245,643 @@
       </p:par>
     </p:tnLst>
   </p:timing>
+</p:sld>
+</file>
+
+<file path=ppt/slides/slide10.xml><?xml version="1.0" encoding="utf-8"?>
+<p:sld xmlns:a="http://schemas.openxmlformats.org/drawingml/2006/main" xmlns:r="http://schemas.openxmlformats.org/officeDocument/2006/relationships" xmlns:p="http://schemas.openxmlformats.org/presentationml/2006/main">
+  <p:cSld>
+    <p:spTree>
+      <p:nvGrpSpPr>
+        <p:cNvPr id="1" name=""/>
+        <p:cNvGrpSpPr/>
+        <p:nvPr/>
+      </p:nvGrpSpPr>
+      <p:grpSpPr>
+        <a:xfrm>
+          <a:off x="0" y="0"/>
+          <a:ext cx="0" cy="0"/>
+          <a:chOff x="0" y="0"/>
+          <a:chExt cx="0" cy="0"/>
+        </a:xfrm>
+      </p:grpSpPr>
+      <p:sp>
+        <p:nvSpPr>
+          <p:cNvPr id="8" name="TextBox 7"/>
+          <p:cNvSpPr txBox="1"/>
+          <p:nvPr/>
+        </p:nvSpPr>
+        <p:spPr>
+          <a:xfrm>
+            <a:off x="1475656" y="263347"/>
+            <a:ext cx="7416824" cy="646331"/>
+          </a:xfrm>
+          <a:prstGeom prst="rect">
+            <a:avLst/>
+          </a:prstGeom>
+          <a:solidFill>
+            <a:schemeClr val="tx2">
+              <a:lumMod val="40000"/>
+              <a:lumOff val="60000"/>
+            </a:schemeClr>
+          </a:solidFill>
+          <a:ln>
+            <a:noFill/>
+          </a:ln>
+        </p:spPr>
+        <p:txBody>
+          <a:bodyPr wrap="square" rtlCol="0">
+            <a:spAutoFit/>
+          </a:bodyPr>
+          <a:lstStyle/>
+          <a:p>
+            <a:pPr algn="ctr"/>
+            <a:endParaRPr lang="ru-RU" sz="3600" b="1" dirty="0">
+              <a:solidFill>
+                <a:schemeClr val="bg1"/>
+              </a:solidFill>
+            </a:endParaRPr>
+          </a:p>
+        </p:txBody>
+      </p:sp>
+      <p:sp>
+        <p:nvSpPr>
+          <p:cNvPr id="4" name="TextBox 3"/>
+          <p:cNvSpPr txBox="1"/>
+          <p:nvPr/>
+        </p:nvSpPr>
+        <p:spPr>
+          <a:xfrm>
+            <a:off x="296294" y="260648"/>
+            <a:ext cx="3161443" cy="646331"/>
+          </a:xfrm>
+          <a:prstGeom prst="rect">
+            <a:avLst/>
+          </a:prstGeom>
+          <a:solidFill>
+            <a:srgbClr val="0070C0"/>
+          </a:solidFill>
+          <a:ln>
+            <a:noFill/>
+          </a:ln>
+        </p:spPr>
+        <p:txBody>
+          <a:bodyPr wrap="none" rtlCol="0">
+            <a:spAutoFit/>
+          </a:bodyPr>
+          <a:lstStyle/>
+          <a:p>
+            <a:r>
+              <a:rPr lang="ru-RU" sz="3600" b="1" dirty="0" smtClean="0">
+                <a:solidFill>
+                  <a:schemeClr val="bg1"/>
+                </a:solidFill>
+              </a:rPr>
+              <a:t>Задача на курс</a:t>
+            </a:r>
+            <a:endParaRPr lang="ru-RU" sz="3600" b="1" dirty="0">
+              <a:solidFill>
+                <a:schemeClr val="bg1"/>
+              </a:solidFill>
+            </a:endParaRPr>
+          </a:p>
+        </p:txBody>
+      </p:sp>
+      <p:sp>
+        <p:nvSpPr>
+          <p:cNvPr id="6" name="TextBox 5"/>
+          <p:cNvSpPr txBox="1"/>
+          <p:nvPr/>
+        </p:nvSpPr>
+        <p:spPr>
+          <a:xfrm>
+            <a:off x="296292" y="1157662"/>
+            <a:ext cx="8522967" cy="5355312"/>
+          </a:xfrm>
+          <a:prstGeom prst="rect">
+            <a:avLst/>
+          </a:prstGeom>
+          <a:noFill/>
+        </p:spPr>
+        <p:txBody>
+          <a:bodyPr wrap="square" rtlCol="0">
+            <a:spAutoFit/>
+          </a:bodyPr>
+          <a:lstStyle/>
+          <a:p>
+            <a:pPr marL="457200" indent="-457200">
+              <a:spcAft>
+                <a:spcPts val="1200"/>
+              </a:spcAft>
+              <a:buClr>
+                <a:srgbClr val="0070C0"/>
+              </a:buClr>
+              <a:buFont typeface="Arial" pitchFamily="34" charset="0"/>
+              <a:buChar char="•"/>
+            </a:pPr>
+            <a:r>
+              <a:rPr lang="ru-RU" sz="2400" dirty="0"/>
+              <a:t>Вывести в консоль таблицу умножения чисел от 1 до 10 при помощи циклов </a:t>
+            </a:r>
+            <a:r>
+              <a:rPr lang="ru-RU" sz="2400" dirty="0" err="1">
+                <a:solidFill>
+                  <a:srgbClr val="0070C0"/>
+                </a:solidFill>
+              </a:rPr>
+              <a:t>for</a:t>
+            </a:r>
+            <a:endParaRPr lang="ru-RU" sz="2400" dirty="0">
+              <a:solidFill>
+                <a:srgbClr val="0070C0"/>
+              </a:solidFill>
+            </a:endParaRPr>
+          </a:p>
+          <a:p>
+            <a:pPr marL="457200" indent="-457200">
+              <a:spcAft>
+                <a:spcPts val="1200"/>
+              </a:spcAft>
+              <a:buClr>
+                <a:srgbClr val="0070C0"/>
+              </a:buClr>
+              <a:buFont typeface="Arial" pitchFamily="34" charset="0"/>
+              <a:buChar char="•"/>
+            </a:pPr>
+            <a:r>
+              <a:rPr lang="ru-RU" sz="2400" dirty="0"/>
+              <a:t>Примерно так, только без границ клеток, консоль этого не </a:t>
+            </a:r>
+            <a:r>
+              <a:rPr lang="ru-RU" sz="2400" dirty="0" smtClean="0"/>
+              <a:t>позволяет</a:t>
+            </a:r>
+            <a:endParaRPr lang="ru-RU" sz="2400" dirty="0"/>
+          </a:p>
+          <a:p>
+            <a:pPr marL="457200" indent="-457200">
+              <a:spcAft>
+                <a:spcPts val="1200"/>
+              </a:spcAft>
+              <a:buClr>
+                <a:srgbClr val="0070C0"/>
+              </a:buClr>
+              <a:buFont typeface="Arial" pitchFamily="34" charset="0"/>
+              <a:buChar char="•"/>
+            </a:pPr>
+            <a:r>
+              <a:rPr lang="ru-RU" sz="2400" dirty="0" smtClean="0"/>
+              <a:t>Добейтесь </a:t>
+            </a:r>
+            <a:r>
+              <a:rPr lang="ru-RU" sz="2400" dirty="0"/>
+              <a:t>чтобы числа</a:t>
+            </a:r>
+            <a:br>
+              <a:rPr lang="ru-RU" sz="2400" dirty="0"/>
+            </a:br>
+            <a:r>
+              <a:rPr lang="ru-RU" sz="2400" dirty="0"/>
+              <a:t>были выровнены по</a:t>
+            </a:r>
+            <a:br>
+              <a:rPr lang="ru-RU" sz="2400" dirty="0"/>
+            </a:br>
+            <a:r>
+              <a:rPr lang="ru-RU" sz="2400" dirty="0"/>
+              <a:t>столбцам (добейте </a:t>
+            </a:r>
+            <a:br>
+              <a:rPr lang="ru-RU" sz="2400" dirty="0"/>
+            </a:br>
+            <a:r>
+              <a:rPr lang="ru-RU" sz="2400" dirty="0"/>
+              <a:t>одно- и двузначные числа</a:t>
+            </a:r>
+            <a:br>
+              <a:rPr lang="ru-RU" sz="2400" dirty="0"/>
+            </a:br>
+            <a:r>
+              <a:rPr lang="ru-RU" sz="2400" dirty="0" smtClean="0"/>
+              <a:t>нужным количеством</a:t>
+            </a:r>
+            <a:br>
+              <a:rPr lang="ru-RU" sz="2400" dirty="0" smtClean="0"/>
+            </a:br>
+            <a:r>
+              <a:rPr lang="ru-RU" sz="2400" dirty="0" smtClean="0"/>
+              <a:t>пробелов)</a:t>
+            </a:r>
+          </a:p>
+          <a:p>
+            <a:pPr marL="457200" indent="-457200">
+              <a:spcAft>
+                <a:spcPts val="1200"/>
+              </a:spcAft>
+              <a:buClr>
+                <a:srgbClr val="0070C0"/>
+              </a:buClr>
+              <a:buFont typeface="Arial" pitchFamily="34" charset="0"/>
+              <a:buChar char="•"/>
+            </a:pPr>
+            <a:r>
+              <a:rPr lang="ru-RU" sz="2400" dirty="0" smtClean="0"/>
+              <a:t>* Добавьте «шапку» таблицы,</a:t>
+            </a:r>
+            <a:br>
+              <a:rPr lang="ru-RU" sz="2400" dirty="0" smtClean="0"/>
+            </a:br>
+            <a:r>
+              <a:rPr lang="ru-RU" sz="2400" dirty="0" smtClean="0"/>
+              <a:t>отделите ее символами,</a:t>
+            </a:r>
+            <a:br>
+              <a:rPr lang="ru-RU" sz="2400" dirty="0" smtClean="0"/>
+            </a:br>
+            <a:r>
+              <a:rPr lang="ru-RU" sz="2400" dirty="0" smtClean="0"/>
+              <a:t>например, </a:t>
+            </a:r>
+            <a:r>
+              <a:rPr lang="en-US" sz="2400" dirty="0" smtClean="0"/>
+              <a:t>| </a:t>
+            </a:r>
+            <a:r>
+              <a:rPr lang="ru-RU" sz="2400" dirty="0" smtClean="0"/>
+              <a:t>и --</a:t>
+            </a:r>
+            <a:endParaRPr lang="ru-RU" sz="2400" dirty="0"/>
+          </a:p>
+        </p:txBody>
+      </p:sp>
+      <p:pic>
+        <p:nvPicPr>
+          <p:cNvPr id="5" name="Picture 2"/>
+          <p:cNvPicPr>
+            <a:picLocks noChangeAspect="1" noChangeArrowheads="1"/>
+          </p:cNvPicPr>
+          <p:nvPr/>
+        </p:nvPicPr>
+        <p:blipFill>
+          <a:blip r:embed="rId2">
+            <a:extLst>
+              <a:ext uri="{28A0092B-C50C-407E-A947-70E740481C1C}">
+                <a14:useLocalDpi xmlns:a14="http://schemas.microsoft.com/office/drawing/2010/main" val="0"/>
+              </a:ext>
+            </a:extLst>
+          </a:blip>
+          <a:srcRect/>
+          <a:stretch>
+            <a:fillRect/>
+          </a:stretch>
+        </p:blipFill>
+        <p:spPr bwMode="auto">
+          <a:xfrm>
+            <a:off x="5267559" y="3087169"/>
+            <a:ext cx="2978544" cy="2950642"/>
+          </a:xfrm>
+          <a:prstGeom prst="rect">
+            <a:avLst/>
+          </a:prstGeom>
+          <a:noFill/>
+          <a:ln>
+            <a:noFill/>
+          </a:ln>
+          <a:effectLst/>
+          <a:extLst>
+            <a:ext uri="{909E8E84-426E-40DD-AFC4-6F175D3DCCD1}">
+              <a14:hiddenFill xmlns:a14="http://schemas.microsoft.com/office/drawing/2010/main">
+                <a:solidFill>
+                  <a:schemeClr val="accent1"/>
+                </a:solidFill>
+              </a14:hiddenFill>
+            </a:ext>
+            <a:ext uri="{91240B29-F687-4F45-9708-019B960494DF}">
+              <a14:hiddenLine xmlns:a14="http://schemas.microsoft.com/office/drawing/2010/main" w="9525">
+                <a:solidFill>
+                  <a:schemeClr val="tx1"/>
+                </a:solidFill>
+                <a:miter lim="800000"/>
+                <a:headEnd/>
+                <a:tailEnd/>
+              </a14:hiddenLine>
+            </a:ext>
+            <a:ext uri="{AF507438-7753-43E0-B8FC-AC1667EBCBE1}">
+              <a14:hiddenEffects xmlns:a14="http://schemas.microsoft.com/office/drawing/2010/main">
+                <a:effectLst>
+                  <a:outerShdw dist="35921" dir="2700000" algn="ctr" rotWithShape="0">
+                    <a:schemeClr val="bg2"/>
+                  </a:outerShdw>
+                </a:effectLst>
+              </a14:hiddenEffects>
+            </a:ext>
+          </a:extLst>
+        </p:spPr>
+      </p:pic>
+    </p:spTree>
+    <p:extLst>
+      <p:ext uri="{BB962C8B-B14F-4D97-AF65-F5344CB8AC3E}">
+        <p14:creationId xmlns:p14="http://schemas.microsoft.com/office/powerpoint/2010/main" val="2686140259"/>
+      </p:ext>
+    </p:extLst>
+  </p:cSld>
+  <p:clrMapOvr>
+    <a:masterClrMapping/>
+  </p:clrMapOvr>
+  <p:timing>
+    <p:tnLst>
+      <p:par>
+        <p:cTn id="1" dur="indefinite" restart="never" nodeType="tmRoot"/>
+      </p:par>
+    </p:tnLst>
+  </p:timing>
+</p:sld>
+</file>
+
+<file path=ppt/slides/slide11.xml><?xml version="1.0" encoding="utf-8"?>
+<p:sld xmlns:a="http://schemas.openxmlformats.org/drawingml/2006/main" xmlns:r="http://schemas.openxmlformats.org/officeDocument/2006/relationships" xmlns:p="http://schemas.openxmlformats.org/presentationml/2006/main">
+  <p:cSld>
+    <p:spTree>
+      <p:nvGrpSpPr>
+        <p:cNvPr id="1" name=""/>
+        <p:cNvGrpSpPr/>
+        <p:nvPr/>
+      </p:nvGrpSpPr>
+      <p:grpSpPr>
+        <a:xfrm>
+          <a:off x="0" y="0"/>
+          <a:ext cx="0" cy="0"/>
+          <a:chOff x="0" y="0"/>
+          <a:chExt cx="0" cy="0"/>
+        </a:xfrm>
+      </p:grpSpPr>
+      <p:sp>
+        <p:nvSpPr>
+          <p:cNvPr id="8" name="TextBox 7"/>
+          <p:cNvSpPr txBox="1"/>
+          <p:nvPr/>
+        </p:nvSpPr>
+        <p:spPr>
+          <a:xfrm>
+            <a:off x="1475656" y="263347"/>
+            <a:ext cx="7416824" cy="646331"/>
+          </a:xfrm>
+          <a:prstGeom prst="rect">
+            <a:avLst/>
+          </a:prstGeom>
+          <a:solidFill>
+            <a:schemeClr val="tx2">
+              <a:lumMod val="40000"/>
+              <a:lumOff val="60000"/>
+            </a:schemeClr>
+          </a:solidFill>
+          <a:ln>
+            <a:noFill/>
+          </a:ln>
+        </p:spPr>
+        <p:txBody>
+          <a:bodyPr wrap="square" rtlCol="0">
+            <a:spAutoFit/>
+          </a:bodyPr>
+          <a:lstStyle/>
+          <a:p>
+            <a:pPr algn="ctr"/>
+            <a:endParaRPr lang="ru-RU" sz="3600" b="1" dirty="0">
+              <a:solidFill>
+                <a:schemeClr val="bg1"/>
+              </a:solidFill>
+            </a:endParaRPr>
+          </a:p>
+        </p:txBody>
+      </p:sp>
+      <p:sp>
+        <p:nvSpPr>
+          <p:cNvPr id="4" name="TextBox 3"/>
+          <p:cNvSpPr txBox="1"/>
+          <p:nvPr/>
+        </p:nvSpPr>
+        <p:spPr>
+          <a:xfrm>
+            <a:off x="296294" y="260648"/>
+            <a:ext cx="3161443" cy="646331"/>
+          </a:xfrm>
+          <a:prstGeom prst="rect">
+            <a:avLst/>
+          </a:prstGeom>
+          <a:solidFill>
+            <a:srgbClr val="0070C0"/>
+          </a:solidFill>
+          <a:ln>
+            <a:noFill/>
+          </a:ln>
+        </p:spPr>
+        <p:txBody>
+          <a:bodyPr wrap="none" rtlCol="0">
+            <a:spAutoFit/>
+          </a:bodyPr>
+          <a:lstStyle/>
+          <a:p>
+            <a:r>
+              <a:rPr lang="ru-RU" sz="3600" b="1" dirty="0" smtClean="0">
+                <a:solidFill>
+                  <a:schemeClr val="bg1"/>
+                </a:solidFill>
+              </a:rPr>
+              <a:t>Задача на курс</a:t>
+            </a:r>
+            <a:endParaRPr lang="ru-RU" sz="3600" b="1" dirty="0">
+              <a:solidFill>
+                <a:schemeClr val="bg1"/>
+              </a:solidFill>
+            </a:endParaRPr>
+          </a:p>
+        </p:txBody>
+      </p:sp>
+      <p:sp>
+        <p:nvSpPr>
+          <p:cNvPr id="6" name="TextBox 5"/>
+          <p:cNvSpPr txBox="1"/>
+          <p:nvPr/>
+        </p:nvSpPr>
+        <p:spPr>
+          <a:xfrm>
+            <a:off x="296292" y="1354220"/>
+            <a:ext cx="8522967" cy="3847207"/>
+          </a:xfrm>
+          <a:prstGeom prst="rect">
+            <a:avLst/>
+          </a:prstGeom>
+          <a:noFill/>
+        </p:spPr>
+        <p:txBody>
+          <a:bodyPr wrap="square" rtlCol="0">
+            <a:spAutoFit/>
+          </a:bodyPr>
+          <a:lstStyle/>
+          <a:p>
+            <a:pPr marL="457200" indent="-457200">
+              <a:spcAft>
+                <a:spcPts val="1200"/>
+              </a:spcAft>
+              <a:buClr>
+                <a:srgbClr val="0070C0"/>
+              </a:buClr>
+              <a:buFont typeface="Arial" pitchFamily="34" charset="0"/>
+              <a:buChar char="•"/>
+            </a:pPr>
+            <a:r>
+              <a:rPr lang="ru-RU" sz="2800" dirty="0" smtClean="0"/>
+              <a:t>Напишите программу, которая рассчитывает сумму банковского вклада с заданной ставкой</a:t>
+            </a:r>
+            <a:r>
+              <a:rPr lang="en-US" sz="2800" dirty="0" smtClean="0"/>
+              <a:t> X</a:t>
+            </a:r>
+            <a:r>
+              <a:rPr lang="ru-RU" sz="2800" dirty="0" smtClean="0"/>
+              <a:t> % на заданное число месяцев</a:t>
+            </a:r>
+            <a:r>
+              <a:rPr lang="en-US" sz="2800" dirty="0" smtClean="0"/>
+              <a:t> N</a:t>
+            </a:r>
+            <a:endParaRPr lang="ru-RU" sz="2800" dirty="0" smtClean="0"/>
+          </a:p>
+          <a:p>
+            <a:pPr marL="457200" indent="-457200">
+              <a:spcAft>
+                <a:spcPts val="1200"/>
+              </a:spcAft>
+              <a:buClr>
+                <a:srgbClr val="0070C0"/>
+              </a:buClr>
+              <a:buFont typeface="Arial" pitchFamily="34" charset="0"/>
+              <a:buChar char="•"/>
+            </a:pPr>
+            <a:r>
+              <a:rPr lang="ru-RU" sz="2800" dirty="0" smtClean="0"/>
+              <a:t>Вклад с капитализацией – считаем, что после истечения каждого месяца к сумме вклада прибавляется </a:t>
+            </a:r>
+            <a:r>
+              <a:rPr lang="en-US" sz="2800" dirty="0" smtClean="0"/>
+              <a:t>X/12</a:t>
+            </a:r>
+            <a:r>
+              <a:rPr lang="ru-RU" sz="2800" dirty="0" smtClean="0"/>
+              <a:t> %</a:t>
+            </a:r>
+            <a:r>
+              <a:rPr lang="en-US" sz="2800" dirty="0" smtClean="0"/>
+              <a:t> </a:t>
+            </a:r>
+            <a:r>
+              <a:rPr lang="ru-RU" sz="2800" dirty="0" smtClean="0"/>
+              <a:t>от суммы вклада на начало месяца</a:t>
+            </a:r>
+          </a:p>
+          <a:p>
+            <a:pPr marL="457200" indent="-457200">
+              <a:spcAft>
+                <a:spcPts val="1200"/>
+              </a:spcAft>
+              <a:buClr>
+                <a:srgbClr val="0070C0"/>
+              </a:buClr>
+              <a:buFont typeface="Arial" pitchFamily="34" charset="0"/>
+              <a:buChar char="•"/>
+            </a:pPr>
+            <a:r>
+              <a:rPr lang="ru-RU" sz="2800" dirty="0" smtClean="0"/>
+              <a:t>Также распечатать прибыль</a:t>
+            </a:r>
+          </a:p>
+        </p:txBody>
+      </p:sp>
+    </p:spTree>
+    <p:extLst>
+      <p:ext uri="{BB962C8B-B14F-4D97-AF65-F5344CB8AC3E}">
+        <p14:creationId xmlns:p14="http://schemas.microsoft.com/office/powerpoint/2010/main" val="255615241"/>
+      </p:ext>
+    </p:extLst>
+  </p:cSld>
+  <p:clrMapOvr>
+    <a:masterClrMapping/>
+  </p:clrMapOvr>
+  <p:timing>
+    <p:tnLst>
+      <p:par>
+        <p:cTn id="1" dur="indefinite" restart="never" nodeType="tmRoot"/>
+      </p:par>
+    </p:tnLst>
+  </p:timing>
+</p:sld>
+</file>
+
+<file path=ppt/slides/slide12.xml><?xml version="1.0" encoding="utf-8"?>
+<p:sld xmlns:a="http://schemas.openxmlformats.org/drawingml/2006/main" xmlns:r="http://schemas.openxmlformats.org/officeDocument/2006/relationships" xmlns:p="http://schemas.openxmlformats.org/presentationml/2006/main">
+  <p:cSld>
+    <p:spTree>
+      <p:nvGrpSpPr>
+        <p:cNvPr id="1" name=""/>
+        <p:cNvGrpSpPr/>
+        <p:nvPr/>
+      </p:nvGrpSpPr>
+      <p:grpSpPr>
+        <a:xfrm>
+          <a:off x="0" y="0"/>
+          <a:ext cx="0" cy="0"/>
+          <a:chOff x="0" y="0"/>
+          <a:chExt cx="0" cy="0"/>
+        </a:xfrm>
+      </p:grpSpPr>
+      <p:sp>
+        <p:nvSpPr>
+          <p:cNvPr id="2" name="Заголовок 1"/>
+          <p:cNvSpPr>
+            <a:spLocks noGrp="1"/>
+          </p:cNvSpPr>
+          <p:nvPr>
+            <p:ph type="ctrTitle"/>
+          </p:nvPr>
+        </p:nvSpPr>
+        <p:spPr/>
+        <p:txBody>
+          <a:bodyPr/>
+          <a:lstStyle/>
+          <a:p>
+            <a:endParaRPr lang="ru-RU"/>
+          </a:p>
+        </p:txBody>
+      </p:sp>
+      <p:sp>
+        <p:nvSpPr>
+          <p:cNvPr id="3" name="Подзаголовок 2"/>
+          <p:cNvSpPr>
+            <a:spLocks noGrp="1"/>
+          </p:cNvSpPr>
+          <p:nvPr>
+            <p:ph type="subTitle" idx="1"/>
+          </p:nvPr>
+        </p:nvSpPr>
+        <p:spPr/>
+        <p:txBody>
+          <a:bodyPr/>
+          <a:lstStyle/>
+          <a:p>
+            <a:endParaRPr lang="ru-RU"/>
+          </a:p>
+        </p:txBody>
+      </p:sp>
+    </p:spTree>
+    <p:extLst>
+      <p:ext uri="{BB962C8B-B14F-4D97-AF65-F5344CB8AC3E}">
+        <p14:creationId xmlns:p14="http://schemas.microsoft.com/office/powerpoint/2010/main" val="707308663"/>
+      </p:ext>
+    </p:extLst>
+  </p:cSld>
+  <p:clrMapOvr>
+    <a:masterClrMapping/>
+  </p:clrMapOvr>
 </p:sld>
 </file>
 
@@ -4906,52 +5547,580 @@
       </p:grpSpPr>
       <p:sp>
         <p:nvSpPr>
-          <p:cNvPr id="2" name="Заголовок 1"/>
-          <p:cNvSpPr>
-            <a:spLocks noGrp="1"/>
-          </p:cNvSpPr>
-          <p:nvPr>
-            <p:ph type="ctrTitle"/>
-          </p:nvPr>
-        </p:nvSpPr>
-        <p:spPr/>
-        <p:txBody>
-          <a:bodyPr/>
-          <a:lstStyle/>
-          <a:p>
-            <a:endParaRPr lang="ru-RU"/>
-          </a:p>
-        </p:txBody>
-      </p:sp>
-      <p:sp>
-        <p:nvSpPr>
-          <p:cNvPr id="3" name="Подзаголовок 2"/>
-          <p:cNvSpPr>
-            <a:spLocks noGrp="1"/>
-          </p:cNvSpPr>
-          <p:nvPr>
-            <p:ph type="subTitle" idx="1"/>
-          </p:nvPr>
-        </p:nvSpPr>
-        <p:spPr/>
-        <p:txBody>
-          <a:bodyPr/>
-          <a:lstStyle/>
-          <a:p>
-            <a:endParaRPr lang="ru-RU"/>
+          <p:cNvPr id="4" name="TextBox 3"/>
+          <p:cNvSpPr txBox="1"/>
+          <p:nvPr/>
+        </p:nvSpPr>
+        <p:spPr>
+          <a:xfrm>
+            <a:off x="2843438" y="2132856"/>
+            <a:ext cx="3435043" cy="1754326"/>
+          </a:xfrm>
+          <a:prstGeom prst="rect">
+            <a:avLst/>
+          </a:prstGeom>
+          <a:solidFill>
+            <a:srgbClr val="0070C0"/>
+          </a:solidFill>
+          <a:ln>
+            <a:noFill/>
+          </a:ln>
+        </p:spPr>
+        <p:txBody>
+          <a:bodyPr wrap="none" rtlCol="0">
+            <a:spAutoFit/>
+          </a:bodyPr>
+          <a:lstStyle/>
+          <a:p>
+            <a:pPr algn="ctr"/>
+            <a:r>
+              <a:rPr lang="ru-RU" sz="3600" b="1" dirty="0" smtClean="0">
+                <a:solidFill>
+                  <a:schemeClr val="bg1"/>
+                </a:solidFill>
+              </a:rPr>
+              <a:t>Лекция 5.</a:t>
+            </a:r>
+            <a:br>
+              <a:rPr lang="ru-RU" sz="3600" b="1" dirty="0" smtClean="0">
+                <a:solidFill>
+                  <a:schemeClr val="bg1"/>
+                </a:solidFill>
+              </a:rPr>
+            </a:br>
+            <a:r>
+              <a:rPr lang="ru-RU" sz="3600" b="1" dirty="0" smtClean="0">
+                <a:solidFill>
+                  <a:schemeClr val="bg1"/>
+                </a:solidFill>
+              </a:rPr>
+              <a:t>Цикл</a:t>
+            </a:r>
+            <a:r>
+              <a:rPr lang="en-US" sz="3600" b="1" dirty="0" smtClean="0">
+                <a:solidFill>
+                  <a:schemeClr val="bg1"/>
+                </a:solidFill>
+              </a:rPr>
+              <a:t> for</a:t>
+            </a:r>
+            <a:r>
+              <a:rPr lang="ru-RU" sz="3600" b="1" dirty="0" smtClean="0">
+                <a:solidFill>
+                  <a:schemeClr val="bg1"/>
+                </a:solidFill>
+              </a:rPr>
+              <a:t>. </a:t>
+            </a:r>
+            <a:br>
+              <a:rPr lang="ru-RU" sz="3600" b="1" dirty="0" smtClean="0">
+                <a:solidFill>
+                  <a:schemeClr val="bg1"/>
+                </a:solidFill>
+              </a:rPr>
+            </a:br>
+            <a:r>
+              <a:rPr lang="en-US" sz="3600" b="1" dirty="0" smtClean="0">
+                <a:solidFill>
+                  <a:schemeClr val="bg1"/>
+                </a:solidFill>
+              </a:rPr>
+              <a:t>Break </a:t>
+            </a:r>
+            <a:r>
+              <a:rPr lang="ru-RU" sz="3600" b="1" dirty="0" smtClean="0">
+                <a:solidFill>
+                  <a:schemeClr val="bg1"/>
+                </a:solidFill>
+              </a:rPr>
+              <a:t>и </a:t>
+            </a:r>
+            <a:r>
+              <a:rPr lang="en-US" sz="3600" b="1" dirty="0" smtClean="0">
+                <a:solidFill>
+                  <a:schemeClr val="bg1"/>
+                </a:solidFill>
+              </a:rPr>
+              <a:t>continue</a:t>
+            </a:r>
+            <a:endParaRPr lang="ru-RU" sz="3600" b="1" dirty="0">
+              <a:solidFill>
+                <a:schemeClr val="bg1"/>
+              </a:solidFill>
+            </a:endParaRPr>
           </a:p>
         </p:txBody>
       </p:sp>
     </p:spTree>
     <p:extLst>
       <p:ext uri="{BB962C8B-B14F-4D97-AF65-F5344CB8AC3E}">
-        <p14:creationId xmlns:p14="http://schemas.microsoft.com/office/powerpoint/2010/main" val="707308663"/>
+        <p14:creationId xmlns:p14="http://schemas.microsoft.com/office/powerpoint/2010/main" val="1842928037"/>
       </p:ext>
     </p:extLst>
   </p:cSld>
   <p:clrMapOvr>
     <a:masterClrMapping/>
   </p:clrMapOvr>
+  <p:timing>
+    <p:tnLst>
+      <p:par>
+        <p:cTn id="1" dur="indefinite" restart="never" nodeType="tmRoot"/>
+      </p:par>
+    </p:tnLst>
+  </p:timing>
+</p:sld>
+</file>
+
+<file path=ppt/slides/slide9.xml><?xml version="1.0" encoding="utf-8"?>
+<p:sld xmlns:a="http://schemas.openxmlformats.org/drawingml/2006/main" xmlns:r="http://schemas.openxmlformats.org/officeDocument/2006/relationships" xmlns:p="http://schemas.openxmlformats.org/presentationml/2006/main">
+  <p:cSld>
+    <p:spTree>
+      <p:nvGrpSpPr>
+        <p:cNvPr id="1" name=""/>
+        <p:cNvGrpSpPr/>
+        <p:nvPr/>
+      </p:nvGrpSpPr>
+      <p:grpSpPr>
+        <a:xfrm>
+          <a:off x="0" y="0"/>
+          <a:ext cx="0" cy="0"/>
+          <a:chOff x="0" y="0"/>
+          <a:chExt cx="0" cy="0"/>
+        </a:xfrm>
+      </p:grpSpPr>
+      <p:sp>
+        <p:nvSpPr>
+          <p:cNvPr id="8" name="TextBox 7"/>
+          <p:cNvSpPr txBox="1"/>
+          <p:nvPr/>
+        </p:nvSpPr>
+        <p:spPr>
+          <a:xfrm>
+            <a:off x="1475656" y="263347"/>
+            <a:ext cx="7416824" cy="646331"/>
+          </a:xfrm>
+          <a:prstGeom prst="rect">
+            <a:avLst/>
+          </a:prstGeom>
+          <a:solidFill>
+            <a:schemeClr val="tx2">
+              <a:lumMod val="40000"/>
+              <a:lumOff val="60000"/>
+            </a:schemeClr>
+          </a:solidFill>
+          <a:ln>
+            <a:noFill/>
+          </a:ln>
+        </p:spPr>
+        <p:txBody>
+          <a:bodyPr wrap="square" rtlCol="0">
+            <a:spAutoFit/>
+          </a:bodyPr>
+          <a:lstStyle/>
+          <a:p>
+            <a:pPr algn="ctr"/>
+            <a:endParaRPr lang="ru-RU" sz="3600" b="1" dirty="0">
+              <a:solidFill>
+                <a:schemeClr val="bg1"/>
+              </a:solidFill>
+            </a:endParaRPr>
+          </a:p>
+        </p:txBody>
+      </p:sp>
+      <p:sp>
+        <p:nvSpPr>
+          <p:cNvPr id="4" name="TextBox 3"/>
+          <p:cNvSpPr txBox="1"/>
+          <p:nvPr/>
+        </p:nvSpPr>
+        <p:spPr>
+          <a:xfrm>
+            <a:off x="296294" y="260648"/>
+            <a:ext cx="3161443" cy="646331"/>
+          </a:xfrm>
+          <a:prstGeom prst="rect">
+            <a:avLst/>
+          </a:prstGeom>
+          <a:solidFill>
+            <a:srgbClr val="0070C0"/>
+          </a:solidFill>
+          <a:ln>
+            <a:noFill/>
+          </a:ln>
+        </p:spPr>
+        <p:txBody>
+          <a:bodyPr wrap="none" rtlCol="0">
+            <a:spAutoFit/>
+          </a:bodyPr>
+          <a:lstStyle/>
+          <a:p>
+            <a:r>
+              <a:rPr lang="ru-RU" sz="3600" b="1" dirty="0" smtClean="0">
+                <a:solidFill>
+                  <a:schemeClr val="bg1"/>
+                </a:solidFill>
+              </a:rPr>
+              <a:t>Задача на курс</a:t>
+            </a:r>
+            <a:endParaRPr lang="ru-RU" sz="3600" b="1" dirty="0">
+              <a:solidFill>
+                <a:schemeClr val="bg1"/>
+              </a:solidFill>
+            </a:endParaRPr>
+          </a:p>
+        </p:txBody>
+      </p:sp>
+      <mc:AlternateContent xmlns:mc="http://schemas.openxmlformats.org/markup-compatibility/2006" xmlns:a14="http://schemas.microsoft.com/office/drawing/2010/main">
+        <mc:Choice Requires="a14">
+          <p:sp>
+            <p:nvSpPr>
+              <p:cNvPr id="6" name="TextBox 5"/>
+              <p:cNvSpPr txBox="1"/>
+              <p:nvPr/>
+            </p:nvSpPr>
+            <p:spPr>
+              <a:xfrm>
+                <a:off x="296292" y="1354220"/>
+                <a:ext cx="8522967" cy="5107617"/>
+              </a:xfrm>
+              <a:prstGeom prst="rect">
+                <a:avLst/>
+              </a:prstGeom>
+              <a:noFill/>
+            </p:spPr>
+            <p:txBody>
+              <a:bodyPr wrap="square" rtlCol="0">
+                <a:spAutoFit/>
+              </a:bodyPr>
+              <a:lstStyle/>
+              <a:p>
+                <a:pPr marL="457200" indent="-457200">
+                  <a:spcAft>
+                    <a:spcPts val="1200"/>
+                  </a:spcAft>
+                  <a:buClr>
+                    <a:srgbClr val="0070C0"/>
+                  </a:buClr>
+                  <a:buFont typeface="Arial" pitchFamily="34" charset="0"/>
+                  <a:buChar char="•"/>
+                </a:pPr>
+                <a:r>
+                  <a:rPr lang="ru-RU" sz="2800" dirty="0"/>
+                  <a:t>Для нахождения наибольшего общего делителя двух чисел удобно использовать алгоритм Евклида</a:t>
+                </a:r>
+                <a:r>
+                  <a:rPr lang="ru-RU" sz="2800" dirty="0" smtClean="0"/>
+                  <a:t>:</a:t>
+                </a:r>
+              </a:p>
+              <a:p>
+                <a:pPr marL="457200" indent="-457200">
+                  <a:spcAft>
+                    <a:spcPts val="1200"/>
+                  </a:spcAft>
+                  <a:buClr>
+                    <a:srgbClr val="0070C0"/>
+                  </a:buClr>
+                  <a:buFont typeface="Arial" pitchFamily="34" charset="0"/>
+                  <a:buChar char="•"/>
+                </a:pPr>
+                <a:endParaRPr lang="ru-RU" sz="2800" dirty="0"/>
+              </a:p>
+              <a:p>
+                <a:pPr/>
+                <a14:m>
+                  <m:oMathPara xmlns:m="http://schemas.openxmlformats.org/officeDocument/2006/math">
+                    <m:oMathParaPr>
+                      <m:jc m:val="centerGroup"/>
+                    </m:oMathParaPr>
+                    <m:oMath xmlns:m="http://schemas.openxmlformats.org/officeDocument/2006/math">
+                      <m:r>
+                        <a:rPr lang="ru-RU" sz="2800" i="1">
+                          <a:latin typeface="Cambria Math"/>
+                        </a:rPr>
+                        <m:t>НОД</m:t>
+                      </m:r>
+                      <m:d>
+                        <m:dPr>
+                          <m:ctrlPr>
+                            <a:rPr lang="ru-RU" sz="2800" i="1">
+                              <a:latin typeface="Cambria Math"/>
+                            </a:rPr>
+                          </m:ctrlPr>
+                        </m:dPr>
+                        <m:e>
+                          <m:r>
+                            <a:rPr lang="en-US" sz="2800" i="1">
+                              <a:latin typeface="Cambria Math"/>
+                            </a:rPr>
+                            <m:t>𝑎</m:t>
+                          </m:r>
+                          <m:r>
+                            <a:rPr lang="en-US" sz="2800" i="1">
+                              <a:latin typeface="Cambria Math"/>
+                            </a:rPr>
+                            <m:t>, </m:t>
+                          </m:r>
+                          <m:r>
+                            <a:rPr lang="en-US" sz="2800" i="1">
+                              <a:latin typeface="Cambria Math"/>
+                            </a:rPr>
+                            <m:t>𝑏</m:t>
+                          </m:r>
+                        </m:e>
+                      </m:d>
+                      <m:r>
+                        <a:rPr lang="ru-RU" sz="2800" i="1">
+                          <a:latin typeface="Cambria Math"/>
+                        </a:rPr>
+                        <m:t>=</m:t>
+                      </m:r>
+                      <m:d>
+                        <m:dPr>
+                          <m:begChr m:val="{"/>
+                          <m:endChr m:val=""/>
+                          <m:ctrlPr>
+                            <a:rPr lang="ru-RU" sz="2800" i="1">
+                              <a:latin typeface="Cambria Math"/>
+                            </a:rPr>
+                          </m:ctrlPr>
+                        </m:dPr>
+                        <m:e>
+                          <m:eqArr>
+                            <m:eqArrPr>
+                              <m:ctrlPr>
+                                <a:rPr lang="ru-RU" sz="2800" i="1">
+                                  <a:latin typeface="Cambria Math"/>
+                                </a:rPr>
+                              </m:ctrlPr>
+                            </m:eqArrPr>
+                            <m:e>
+                              <m:r>
+                                <a:rPr lang="ru-RU" sz="2800" i="1">
+                                  <a:latin typeface="Cambria Math"/>
+                                </a:rPr>
+                                <m:t>𝑏</m:t>
+                              </m:r>
+                              <m:r>
+                                <a:rPr lang="ru-RU" sz="2800" i="1">
+                                  <a:latin typeface="Cambria Math"/>
+                                </a:rPr>
+                                <m:t>, если </m:t>
+                              </m:r>
+                              <m:r>
+                                <a:rPr lang="en-US" sz="2800" i="1">
+                                  <a:latin typeface="Cambria Math"/>
+                                </a:rPr>
+                                <m:t>𝑎</m:t>
+                              </m:r>
+                              <m:r>
+                                <a:rPr lang="en-US" sz="2800" i="1">
+                                  <a:latin typeface="Cambria Math"/>
+                                </a:rPr>
+                                <m:t> % </m:t>
+                              </m:r>
+                              <m:r>
+                                <a:rPr lang="en-US" sz="2800" i="1">
+                                  <a:latin typeface="Cambria Math"/>
+                                </a:rPr>
+                                <m:t>𝑏</m:t>
+                              </m:r>
+                              <m:r>
+                                <a:rPr lang="en-US" sz="2800" i="1">
+                                  <a:latin typeface="Cambria Math"/>
+                                </a:rPr>
+                                <m:t>=0</m:t>
+                              </m:r>
+                            </m:e>
+                            <m:e>
+                              <m:r>
+                                <a:rPr lang="ru-RU" sz="2800" i="1">
+                                  <a:latin typeface="Cambria Math"/>
+                                </a:rPr>
+                                <m:t>НОД</m:t>
+                              </m:r>
+                              <m:d>
+                                <m:dPr>
+                                  <m:ctrlPr>
+                                    <a:rPr lang="ru-RU" sz="2800" i="1">
+                                      <a:latin typeface="Cambria Math"/>
+                                    </a:rPr>
+                                  </m:ctrlPr>
+                                </m:dPr>
+                                <m:e>
+                                  <m:r>
+                                    <a:rPr lang="en-US" sz="2800" i="1">
+                                      <a:latin typeface="Cambria Math"/>
+                                    </a:rPr>
+                                    <m:t>𝑏</m:t>
+                                  </m:r>
+                                  <m:r>
+                                    <a:rPr lang="en-US" sz="2800" i="1">
+                                      <a:latin typeface="Cambria Math"/>
+                                    </a:rPr>
+                                    <m:t>, </m:t>
+                                  </m:r>
+                                  <m:r>
+                                    <a:rPr lang="en-US" sz="2800" i="1">
+                                      <a:latin typeface="Cambria Math"/>
+                                    </a:rPr>
+                                    <m:t>𝑎</m:t>
+                                  </m:r>
+                                  <m:r>
+                                    <a:rPr lang="en-US" sz="2800" i="1">
+                                      <a:latin typeface="Cambria Math"/>
+                                    </a:rPr>
+                                    <m:t> % </m:t>
+                                  </m:r>
+                                  <m:r>
+                                    <a:rPr lang="en-US" sz="2800" i="1">
+                                      <a:latin typeface="Cambria Math"/>
+                                    </a:rPr>
+                                    <m:t>𝑏</m:t>
+                                  </m:r>
+                                </m:e>
+                              </m:d>
+                              <m:r>
+                                <a:rPr lang="ru-RU" sz="2800" i="1">
+                                  <a:latin typeface="Cambria Math"/>
+                                </a:rPr>
+                                <m:t> иначе,</m:t>
+                              </m:r>
+                            </m:e>
+                          </m:eqArr>
+                        </m:e>
+                      </m:d>
+                    </m:oMath>
+                  </m:oMathPara>
+                </a14:m>
+                <a:endParaRPr lang="ru-RU" sz="2800" dirty="0" smtClean="0"/>
+              </a:p>
+              <a:p>
+                <a:pPr marL="457200" indent="-457200">
+                  <a:spcAft>
+                    <a:spcPts val="1200"/>
+                  </a:spcAft>
+                  <a:buClr>
+                    <a:srgbClr val="0070C0"/>
+                  </a:buClr>
+                  <a:buFont typeface="Arial" pitchFamily="34" charset="0"/>
+                  <a:buChar char="•"/>
+                </a:pPr>
+                <a:endParaRPr lang="ru-RU" sz="2800" dirty="0" smtClean="0"/>
+              </a:p>
+              <a:p>
+                <a:pPr marL="457200" indent="-457200">
+                  <a:spcAft>
+                    <a:spcPts val="1200"/>
+                  </a:spcAft>
+                  <a:buClr>
+                    <a:srgbClr val="0070C0"/>
+                  </a:buClr>
+                  <a:buFont typeface="Arial" pitchFamily="34" charset="0"/>
+                  <a:buChar char="•"/>
+                </a:pPr>
+                <a:r>
+                  <a:rPr lang="ru-RU" sz="2800" dirty="0" smtClean="0"/>
+                  <a:t>где </a:t>
+                </a:r>
+                <a:r>
+                  <a:rPr lang="ru-RU" sz="2800" dirty="0"/>
+                  <a:t>x % y – остаток от деления x на y Реализовать вычисление НОД алгоритмом </a:t>
+                </a:r>
+                <a:r>
+                  <a:rPr lang="ru-RU" sz="2800" dirty="0" smtClean="0"/>
+                  <a:t>Евклида</a:t>
+                </a:r>
+              </a:p>
+              <a:p>
+                <a:pPr marL="457200" indent="-457200">
+                  <a:spcAft>
+                    <a:spcPts val="1200"/>
+                  </a:spcAft>
+                  <a:buClr>
+                    <a:srgbClr val="0070C0"/>
+                  </a:buClr>
+                  <a:buFont typeface="Arial" pitchFamily="34" charset="0"/>
+                  <a:buChar char="•"/>
+                </a:pPr>
+                <a:r>
+                  <a:rPr lang="ru-RU" sz="2800" dirty="0" smtClean="0"/>
+                  <a:t>Использовать цикл</a:t>
+                </a:r>
+                <a:endParaRPr lang="ru-RU" sz="2800" dirty="0"/>
+              </a:p>
+              <a:p>
+                <a:pPr marL="457200" indent="-457200">
+                  <a:spcAft>
+                    <a:spcPts val="1200"/>
+                  </a:spcAft>
+                  <a:buClr>
+                    <a:srgbClr val="0070C0"/>
+                  </a:buClr>
+                  <a:buFont typeface="Arial" pitchFamily="34" charset="0"/>
+                  <a:buChar char="•"/>
+                </a:pPr>
+                <a:endParaRPr lang="ru-RU" sz="2800" dirty="0"/>
+              </a:p>
+            </p:txBody>
+          </p:sp>
+        </mc:Choice>
+        <mc:Fallback xmlns="">
+          <p:sp>
+            <p:nvSpPr>
+              <p:cNvPr id="6" name="TextBox 5"/>
+              <p:cNvSpPr txBox="1">
+                <a:spLocks noRot="1" noChangeAspect="1" noMove="1" noResize="1" noEditPoints="1" noAdjustHandles="1" noChangeArrowheads="1" noChangeShapeType="1" noTextEdit="1"/>
+              </p:cNvSpPr>
+              <p:nvPr/>
+            </p:nvSpPr>
+            <p:spPr>
+              <a:xfrm>
+                <a:off x="296292" y="1354220"/>
+                <a:ext cx="8522967" cy="5107617"/>
+              </a:xfrm>
+              <a:prstGeom prst="rect">
+                <a:avLst/>
+              </a:prstGeom>
+              <a:blipFill rotWithShape="1">
+                <a:blip r:embed="rId2"/>
+                <a:stretch>
+                  <a:fillRect l="-1288" t="-1074" r="-858"/>
+                </a:stretch>
+              </a:blipFill>
+            </p:spPr>
+            <p:txBody>
+              <a:bodyPr/>
+              <a:lstStyle/>
+              <a:p>
+                <a:r>
+                  <a:rPr lang="ru-RU">
+                    <a:noFill/>
+                  </a:rPr>
+                  <a:t> </a:t>
+                </a:r>
+              </a:p>
+            </p:txBody>
+          </p:sp>
+        </mc:Fallback>
+      </mc:AlternateContent>
+    </p:spTree>
+    <p:extLst>
+      <p:ext uri="{BB962C8B-B14F-4D97-AF65-F5344CB8AC3E}">
+        <p14:creationId xmlns:p14="http://schemas.microsoft.com/office/powerpoint/2010/main" val="902721138"/>
+      </p:ext>
+    </p:extLst>
+  </p:cSld>
+  <p:clrMapOvr>
+    <a:masterClrMapping/>
+  </p:clrMapOvr>
+  <p:timing>
+    <p:tnLst>
+      <p:par>
+        <p:cTn id="1" dur="indefinite" restart="never" nodeType="tmRoot"/>
+      </p:par>
+    </p:tnLst>
+  </p:timing>
 </p:sld>
 </file>
 

--- a/src/сourse/course_task.pptx
+++ b/src/сourse/course_task.pptx
@@ -16,7 +16,8 @@
     <p:sldId id="265" r:id="rId10"/>
     <p:sldId id="266" r:id="rId11"/>
     <p:sldId id="267" r:id="rId12"/>
-    <p:sldId id="256" r:id="rId13"/>
+    <p:sldId id="268" r:id="rId13"/>
+    <p:sldId id="256" r:id="rId14"/>
   </p:sldIdLst>
   <p:sldSz cx="9144000" cy="6858000" type="screen4x3"/>
   <p:notesSz cx="6858000" cy="9144000"/>
@@ -3818,6 +3819,102 @@
 </file>
 
 <file path=ppt/slides/slide12.xml><?xml version="1.0" encoding="utf-8"?>
+<p:sld xmlns:a="http://schemas.openxmlformats.org/drawingml/2006/main" xmlns:r="http://schemas.openxmlformats.org/officeDocument/2006/relationships" xmlns:p="http://schemas.openxmlformats.org/presentationml/2006/main">
+  <p:cSld>
+    <p:spTree>
+      <p:nvGrpSpPr>
+        <p:cNvPr id="1" name=""/>
+        <p:cNvGrpSpPr/>
+        <p:nvPr/>
+      </p:nvGrpSpPr>
+      <p:grpSpPr>
+        <a:xfrm>
+          <a:off x="0" y="0"/>
+          <a:ext cx="0" cy="0"/>
+          <a:chOff x="0" y="0"/>
+          <a:chExt cx="0" cy="0"/>
+        </a:xfrm>
+      </p:grpSpPr>
+      <p:sp>
+        <p:nvSpPr>
+          <p:cNvPr id="4" name="TextBox 3"/>
+          <p:cNvSpPr txBox="1"/>
+          <p:nvPr/>
+        </p:nvSpPr>
+        <p:spPr>
+          <a:xfrm>
+            <a:off x="3489993" y="2132856"/>
+            <a:ext cx="2141932" cy="1200329"/>
+          </a:xfrm>
+          <a:prstGeom prst="rect">
+            <a:avLst/>
+          </a:prstGeom>
+          <a:solidFill>
+            <a:srgbClr val="0070C0"/>
+          </a:solidFill>
+          <a:ln>
+            <a:noFill/>
+          </a:ln>
+        </p:spPr>
+        <p:txBody>
+          <a:bodyPr wrap="none" rtlCol="0">
+            <a:spAutoFit/>
+          </a:bodyPr>
+          <a:lstStyle/>
+          <a:p>
+            <a:pPr algn="ctr"/>
+            <a:r>
+              <a:rPr lang="ru-RU" sz="3600" b="1" dirty="0" smtClean="0">
+                <a:solidFill>
+                  <a:schemeClr val="bg1"/>
+                </a:solidFill>
+              </a:rPr>
+              <a:t>Лекция 6.</a:t>
+            </a:r>
+            <a:br>
+              <a:rPr lang="ru-RU" sz="3600" b="1" dirty="0" smtClean="0">
+                <a:solidFill>
+                  <a:schemeClr val="bg1"/>
+                </a:solidFill>
+              </a:rPr>
+            </a:br>
+            <a:r>
+              <a:rPr lang="ru-RU" sz="3600" b="1" dirty="0" smtClean="0">
+                <a:solidFill>
+                  <a:schemeClr val="bg1"/>
+                </a:solidFill>
+              </a:rPr>
+              <a:t>Функции</a:t>
+            </a:r>
+            <a:endParaRPr lang="ru-RU" sz="3600" b="1" dirty="0">
+              <a:solidFill>
+                <a:schemeClr val="bg1"/>
+              </a:solidFill>
+            </a:endParaRPr>
+          </a:p>
+        </p:txBody>
+      </p:sp>
+    </p:spTree>
+    <p:extLst>
+      <p:ext uri="{BB962C8B-B14F-4D97-AF65-F5344CB8AC3E}">
+        <p14:creationId xmlns:p14="http://schemas.microsoft.com/office/powerpoint/2010/main" val="981217529"/>
+      </p:ext>
+    </p:extLst>
+  </p:cSld>
+  <p:clrMapOvr>
+    <a:masterClrMapping/>
+  </p:clrMapOvr>
+  <p:timing>
+    <p:tnLst>
+      <p:par>
+        <p:cTn id="1" dur="indefinite" restart="never" nodeType="tmRoot"/>
+      </p:par>
+    </p:tnLst>
+  </p:timing>
+</p:sld>
+</file>
+
+<file path=ppt/slides/slide13.xml><?xml version="1.0" encoding="utf-8"?>
 <p:sld xmlns:a="http://schemas.openxmlformats.org/drawingml/2006/main" xmlns:r="http://schemas.openxmlformats.org/officeDocument/2006/relationships" xmlns:p="http://schemas.openxmlformats.org/presentationml/2006/main">
   <p:cSld>
     <p:spTree>

--- a/src/сourse/course_task.pptx
+++ b/src/сourse/course_task.pptx
@@ -17,7 +17,8 @@
     <p:sldId id="266" r:id="rId11"/>
     <p:sldId id="267" r:id="rId12"/>
     <p:sldId id="268" r:id="rId13"/>
-    <p:sldId id="256" r:id="rId14"/>
+    <p:sldId id="269" r:id="rId14"/>
+    <p:sldId id="256" r:id="rId15"/>
   </p:sldIdLst>
   <p:sldSz cx="9144000" cy="6858000" type="screen4x3"/>
   <p:notesSz cx="6858000" cy="9144000"/>
@@ -3915,6 +3916,102 @@
 </file>
 
 <file path=ppt/slides/slide13.xml><?xml version="1.0" encoding="utf-8"?>
+<p:sld xmlns:a="http://schemas.openxmlformats.org/drawingml/2006/main" xmlns:r="http://schemas.openxmlformats.org/officeDocument/2006/relationships" xmlns:p="http://schemas.openxmlformats.org/presentationml/2006/main">
+  <p:cSld>
+    <p:spTree>
+      <p:nvGrpSpPr>
+        <p:cNvPr id="1" name=""/>
+        <p:cNvGrpSpPr/>
+        <p:nvPr/>
+      </p:nvGrpSpPr>
+      <p:grpSpPr>
+        <a:xfrm>
+          <a:off x="0" y="0"/>
+          <a:ext cx="0" cy="0"/>
+          <a:chOff x="0" y="0"/>
+          <a:chExt cx="0" cy="0"/>
+        </a:xfrm>
+      </p:grpSpPr>
+      <p:sp>
+        <p:nvSpPr>
+          <p:cNvPr id="4" name="TextBox 3"/>
+          <p:cNvSpPr txBox="1"/>
+          <p:nvPr/>
+        </p:nvSpPr>
+        <p:spPr>
+          <a:xfrm>
+            <a:off x="3177395" y="2132856"/>
+            <a:ext cx="2767104" cy="1200329"/>
+          </a:xfrm>
+          <a:prstGeom prst="rect">
+            <a:avLst/>
+          </a:prstGeom>
+          <a:solidFill>
+            <a:srgbClr val="0070C0"/>
+          </a:solidFill>
+          <a:ln>
+            <a:noFill/>
+          </a:ln>
+        </p:spPr>
+        <p:txBody>
+          <a:bodyPr wrap="none" rtlCol="0">
+            <a:spAutoFit/>
+          </a:bodyPr>
+          <a:lstStyle/>
+          <a:p>
+            <a:pPr algn="ctr"/>
+            <a:r>
+              <a:rPr lang="ru-RU" sz="3600" b="1" dirty="0" smtClean="0">
+                <a:solidFill>
+                  <a:schemeClr val="bg1"/>
+                </a:solidFill>
+              </a:rPr>
+              <a:t>Лекция 7.</a:t>
+            </a:r>
+            <a:br>
+              <a:rPr lang="ru-RU" sz="3600" b="1" dirty="0" smtClean="0">
+                <a:solidFill>
+                  <a:schemeClr val="bg1"/>
+                </a:solidFill>
+              </a:rPr>
+            </a:br>
+            <a:r>
+              <a:rPr lang="ru-RU" sz="3600" b="1" dirty="0" smtClean="0">
+                <a:solidFill>
+                  <a:schemeClr val="bg1"/>
+                </a:solidFill>
+              </a:rPr>
+              <a:t>Основы ООП</a:t>
+            </a:r>
+            <a:endParaRPr lang="ru-RU" sz="3600" b="1" dirty="0">
+              <a:solidFill>
+                <a:schemeClr val="bg1"/>
+              </a:solidFill>
+            </a:endParaRPr>
+          </a:p>
+        </p:txBody>
+      </p:sp>
+    </p:spTree>
+    <p:extLst>
+      <p:ext uri="{BB962C8B-B14F-4D97-AF65-F5344CB8AC3E}">
+        <p14:creationId xmlns:p14="http://schemas.microsoft.com/office/powerpoint/2010/main" val="3672485623"/>
+      </p:ext>
+    </p:extLst>
+  </p:cSld>
+  <p:clrMapOvr>
+    <a:masterClrMapping/>
+  </p:clrMapOvr>
+  <p:timing>
+    <p:tnLst>
+      <p:par>
+        <p:cTn id="1" dur="indefinite" restart="never" nodeType="tmRoot"/>
+      </p:par>
+    </p:tnLst>
+  </p:timing>
+</p:sld>
+</file>
+
+<file path=ppt/slides/slide14.xml><?xml version="1.0" encoding="utf-8"?>
 <p:sld xmlns:a="http://schemas.openxmlformats.org/drawingml/2006/main" xmlns:r="http://schemas.openxmlformats.org/officeDocument/2006/relationships" xmlns:p="http://schemas.openxmlformats.org/presentationml/2006/main">
   <p:cSld>
     <p:spTree>

--- a/src/сourse/course_task.pptx
+++ b/src/сourse/course_task.pptx
@@ -18,7 +18,10 @@
     <p:sldId id="267" r:id="rId12"/>
     <p:sldId id="268" r:id="rId13"/>
     <p:sldId id="269" r:id="rId14"/>
-    <p:sldId id="256" r:id="rId15"/>
+    <p:sldId id="270" r:id="rId15"/>
+    <p:sldId id="271" r:id="rId16"/>
+    <p:sldId id="272" r:id="rId17"/>
+    <p:sldId id="256" r:id="rId18"/>
   </p:sldIdLst>
   <p:sldSz cx="9144000" cy="6858000" type="screen4x3"/>
   <p:notesSz cx="6858000" cy="9144000"/>
@@ -4012,6 +4015,440 @@
 </file>
 
 <file path=ppt/slides/slide14.xml><?xml version="1.0" encoding="utf-8"?>
+<p:sld xmlns:a="http://schemas.openxmlformats.org/drawingml/2006/main" xmlns:r="http://schemas.openxmlformats.org/officeDocument/2006/relationships" xmlns:p="http://schemas.openxmlformats.org/presentationml/2006/main">
+  <p:cSld>
+    <p:spTree>
+      <p:nvGrpSpPr>
+        <p:cNvPr id="1" name=""/>
+        <p:cNvGrpSpPr/>
+        <p:nvPr/>
+      </p:nvGrpSpPr>
+      <p:grpSpPr>
+        <a:xfrm>
+          <a:off x="0" y="0"/>
+          <a:ext cx="0" cy="0"/>
+          <a:chOff x="0" y="0"/>
+          <a:chExt cx="0" cy="0"/>
+        </a:xfrm>
+      </p:grpSpPr>
+      <p:sp>
+        <p:nvSpPr>
+          <p:cNvPr id="4" name="TextBox 3"/>
+          <p:cNvSpPr txBox="1"/>
+          <p:nvPr/>
+        </p:nvSpPr>
+        <p:spPr>
+          <a:xfrm>
+            <a:off x="2117572" y="2132856"/>
+            <a:ext cx="4886787" cy="2308324"/>
+          </a:xfrm>
+          <a:prstGeom prst="rect">
+            <a:avLst/>
+          </a:prstGeom>
+          <a:solidFill>
+            <a:srgbClr val="0070C0"/>
+          </a:solidFill>
+          <a:ln>
+            <a:noFill/>
+          </a:ln>
+        </p:spPr>
+        <p:txBody>
+          <a:bodyPr wrap="none" rtlCol="0">
+            <a:spAutoFit/>
+          </a:bodyPr>
+          <a:lstStyle/>
+          <a:p>
+            <a:pPr algn="ctr"/>
+            <a:r>
+              <a:rPr lang="ru-RU" sz="3600" b="1" dirty="0" smtClean="0">
+                <a:solidFill>
+                  <a:schemeClr val="bg1"/>
+                </a:solidFill>
+              </a:rPr>
+              <a:t>Лекция 9.</a:t>
+            </a:r>
+            <a:br>
+              <a:rPr lang="ru-RU" sz="3600" b="1" dirty="0" smtClean="0">
+                <a:solidFill>
+                  <a:schemeClr val="bg1"/>
+                </a:solidFill>
+              </a:rPr>
+            </a:br>
+            <a:r>
+              <a:rPr lang="ru-RU" sz="3600" b="1" dirty="0" smtClean="0">
+                <a:solidFill>
+                  <a:schemeClr val="bg1"/>
+                </a:solidFill>
+              </a:rPr>
+              <a:t>Массивы. </a:t>
+            </a:r>
+          </a:p>
+          <a:p>
+            <a:pPr algn="ctr"/>
+            <a:r>
+              <a:rPr lang="ru-RU" sz="3600" b="1" dirty="0" smtClean="0">
+                <a:solidFill>
+                  <a:schemeClr val="bg1"/>
+                </a:solidFill>
+              </a:rPr>
+              <a:t>Отладка.</a:t>
+            </a:r>
+          </a:p>
+          <a:p>
+            <a:pPr algn="ctr"/>
+            <a:r>
+              <a:rPr lang="ru-RU" sz="3600" b="1" dirty="0" smtClean="0">
+                <a:solidFill>
+                  <a:schemeClr val="bg1"/>
+                </a:solidFill>
+              </a:rPr>
+              <a:t>Аргументы программы</a:t>
+            </a:r>
+            <a:endParaRPr lang="ru-RU" sz="3600" b="1" dirty="0">
+              <a:solidFill>
+                <a:schemeClr val="bg1"/>
+              </a:solidFill>
+            </a:endParaRPr>
+          </a:p>
+        </p:txBody>
+      </p:sp>
+    </p:spTree>
+    <p:extLst>
+      <p:ext uri="{BB962C8B-B14F-4D97-AF65-F5344CB8AC3E}">
+        <p14:creationId xmlns:p14="http://schemas.microsoft.com/office/powerpoint/2010/main" val="1960528072"/>
+      </p:ext>
+    </p:extLst>
+  </p:cSld>
+  <p:clrMapOvr>
+    <a:masterClrMapping/>
+  </p:clrMapOvr>
+  <p:timing>
+    <p:tnLst>
+      <p:par>
+        <p:cTn id="1" dur="indefinite" restart="never" nodeType="tmRoot"/>
+      </p:par>
+    </p:tnLst>
+  </p:timing>
+</p:sld>
+</file>
+
+<file path=ppt/slides/slide15.xml><?xml version="1.0" encoding="utf-8"?>
+<p:sld xmlns:a="http://schemas.openxmlformats.org/drawingml/2006/main" xmlns:r="http://schemas.openxmlformats.org/officeDocument/2006/relationships" xmlns:p="http://schemas.openxmlformats.org/presentationml/2006/main">
+  <p:cSld>
+    <p:spTree>
+      <p:nvGrpSpPr>
+        <p:cNvPr id="1" name=""/>
+        <p:cNvGrpSpPr/>
+        <p:nvPr/>
+      </p:nvGrpSpPr>
+      <p:grpSpPr>
+        <a:xfrm>
+          <a:off x="0" y="0"/>
+          <a:ext cx="0" cy="0"/>
+          <a:chOff x="0" y="0"/>
+          <a:chExt cx="0" cy="0"/>
+        </a:xfrm>
+      </p:grpSpPr>
+      <p:sp>
+        <p:nvSpPr>
+          <p:cNvPr id="8" name="TextBox 7"/>
+          <p:cNvSpPr txBox="1"/>
+          <p:nvPr/>
+        </p:nvSpPr>
+        <p:spPr>
+          <a:xfrm>
+            <a:off x="1475656" y="263347"/>
+            <a:ext cx="7416824" cy="646331"/>
+          </a:xfrm>
+          <a:prstGeom prst="rect">
+            <a:avLst/>
+          </a:prstGeom>
+          <a:solidFill>
+            <a:schemeClr val="tx2">
+              <a:lumMod val="40000"/>
+              <a:lumOff val="60000"/>
+            </a:schemeClr>
+          </a:solidFill>
+          <a:ln>
+            <a:noFill/>
+          </a:ln>
+        </p:spPr>
+        <p:txBody>
+          <a:bodyPr wrap="square" rtlCol="0">
+            <a:spAutoFit/>
+          </a:bodyPr>
+          <a:lstStyle/>
+          <a:p>
+            <a:pPr algn="ctr"/>
+            <a:endParaRPr lang="ru-RU" sz="3600" b="1" dirty="0">
+              <a:solidFill>
+                <a:schemeClr val="bg1"/>
+              </a:solidFill>
+            </a:endParaRPr>
+          </a:p>
+        </p:txBody>
+      </p:sp>
+      <p:sp>
+        <p:nvSpPr>
+          <p:cNvPr id="4" name="TextBox 3"/>
+          <p:cNvSpPr txBox="1"/>
+          <p:nvPr/>
+        </p:nvSpPr>
+        <p:spPr>
+          <a:xfrm>
+            <a:off x="296294" y="260648"/>
+            <a:ext cx="3161443" cy="646331"/>
+          </a:xfrm>
+          <a:prstGeom prst="rect">
+            <a:avLst/>
+          </a:prstGeom>
+          <a:solidFill>
+            <a:srgbClr val="0070C0"/>
+          </a:solidFill>
+          <a:ln>
+            <a:noFill/>
+          </a:ln>
+        </p:spPr>
+        <p:txBody>
+          <a:bodyPr wrap="none" rtlCol="0">
+            <a:spAutoFit/>
+          </a:bodyPr>
+          <a:lstStyle/>
+          <a:p>
+            <a:r>
+              <a:rPr lang="ru-RU" sz="3600" b="1" dirty="0" smtClean="0">
+                <a:solidFill>
+                  <a:schemeClr val="bg1"/>
+                </a:solidFill>
+              </a:rPr>
+              <a:t>Задача на курс</a:t>
+            </a:r>
+            <a:endParaRPr lang="ru-RU" sz="3600" b="1" dirty="0">
+              <a:solidFill>
+                <a:schemeClr val="bg1"/>
+              </a:solidFill>
+            </a:endParaRPr>
+          </a:p>
+        </p:txBody>
+      </p:sp>
+      <p:sp>
+        <p:nvSpPr>
+          <p:cNvPr id="6" name="TextBox 5"/>
+          <p:cNvSpPr txBox="1"/>
+          <p:nvPr/>
+        </p:nvSpPr>
+        <p:spPr>
+          <a:xfrm>
+            <a:off x="296292" y="1354220"/>
+            <a:ext cx="8522967" cy="954107"/>
+          </a:xfrm>
+          <a:prstGeom prst="rect">
+            <a:avLst/>
+          </a:prstGeom>
+          <a:noFill/>
+        </p:spPr>
+        <p:txBody>
+          <a:bodyPr wrap="square" rtlCol="0">
+            <a:spAutoFit/>
+          </a:bodyPr>
+          <a:lstStyle/>
+          <a:p>
+            <a:pPr marL="457200" indent="-457200">
+              <a:spcAft>
+                <a:spcPts val="1200"/>
+              </a:spcAft>
+              <a:buClr>
+                <a:srgbClr val="0070C0"/>
+              </a:buClr>
+              <a:buFont typeface="Arial" pitchFamily="34" charset="0"/>
+              <a:buChar char="•"/>
+            </a:pPr>
+            <a:r>
+              <a:rPr lang="ru-RU" sz="2800" dirty="0"/>
+              <a:t>Найти среднее арифметическое элементов массива, которые являются четными числами</a:t>
+            </a:r>
+          </a:p>
+        </p:txBody>
+      </p:sp>
+    </p:spTree>
+    <p:extLst>
+      <p:ext uri="{BB962C8B-B14F-4D97-AF65-F5344CB8AC3E}">
+        <p14:creationId xmlns:p14="http://schemas.microsoft.com/office/powerpoint/2010/main" val="315072440"/>
+      </p:ext>
+    </p:extLst>
+  </p:cSld>
+  <p:clrMapOvr>
+    <a:masterClrMapping/>
+  </p:clrMapOvr>
+  <p:timing>
+    <p:tnLst>
+      <p:par>
+        <p:cTn id="1" dur="indefinite" restart="never" nodeType="tmRoot"/>
+      </p:par>
+    </p:tnLst>
+  </p:timing>
+</p:sld>
+</file>
+
+<file path=ppt/slides/slide16.xml><?xml version="1.0" encoding="utf-8"?>
+<p:sld xmlns:a="http://schemas.openxmlformats.org/drawingml/2006/main" xmlns:r="http://schemas.openxmlformats.org/officeDocument/2006/relationships" xmlns:p="http://schemas.openxmlformats.org/presentationml/2006/main">
+  <p:cSld>
+    <p:spTree>
+      <p:nvGrpSpPr>
+        <p:cNvPr id="1" name=""/>
+        <p:cNvGrpSpPr/>
+        <p:nvPr/>
+      </p:nvGrpSpPr>
+      <p:grpSpPr>
+        <a:xfrm>
+          <a:off x="0" y="0"/>
+          <a:ext cx="0" cy="0"/>
+          <a:chOff x="0" y="0"/>
+          <a:chExt cx="0" cy="0"/>
+        </a:xfrm>
+      </p:grpSpPr>
+      <p:sp>
+        <p:nvSpPr>
+          <p:cNvPr id="8" name="TextBox 7"/>
+          <p:cNvSpPr txBox="1"/>
+          <p:nvPr/>
+        </p:nvSpPr>
+        <p:spPr>
+          <a:xfrm>
+            <a:off x="1475656" y="263347"/>
+            <a:ext cx="7416824" cy="646331"/>
+          </a:xfrm>
+          <a:prstGeom prst="rect">
+            <a:avLst/>
+          </a:prstGeom>
+          <a:solidFill>
+            <a:schemeClr val="tx2">
+              <a:lumMod val="40000"/>
+              <a:lumOff val="60000"/>
+            </a:schemeClr>
+          </a:solidFill>
+          <a:ln>
+            <a:noFill/>
+          </a:ln>
+        </p:spPr>
+        <p:txBody>
+          <a:bodyPr wrap="square" rtlCol="0">
+            <a:spAutoFit/>
+          </a:bodyPr>
+          <a:lstStyle/>
+          <a:p>
+            <a:pPr algn="ctr"/>
+            <a:endParaRPr lang="ru-RU" sz="3600" b="1" dirty="0">
+              <a:solidFill>
+                <a:schemeClr val="bg1"/>
+              </a:solidFill>
+            </a:endParaRPr>
+          </a:p>
+        </p:txBody>
+      </p:sp>
+      <p:sp>
+        <p:nvSpPr>
+          <p:cNvPr id="4" name="TextBox 3"/>
+          <p:cNvSpPr txBox="1"/>
+          <p:nvPr/>
+        </p:nvSpPr>
+        <p:spPr>
+          <a:xfrm>
+            <a:off x="296294" y="260648"/>
+            <a:ext cx="3161443" cy="646331"/>
+          </a:xfrm>
+          <a:prstGeom prst="rect">
+            <a:avLst/>
+          </a:prstGeom>
+          <a:solidFill>
+            <a:srgbClr val="0070C0"/>
+          </a:solidFill>
+          <a:ln>
+            <a:noFill/>
+          </a:ln>
+        </p:spPr>
+        <p:txBody>
+          <a:bodyPr wrap="none" rtlCol="0">
+            <a:spAutoFit/>
+          </a:bodyPr>
+          <a:lstStyle/>
+          <a:p>
+            <a:r>
+              <a:rPr lang="ru-RU" sz="3600" b="1" smtClean="0">
+                <a:solidFill>
+                  <a:schemeClr val="bg1"/>
+                </a:solidFill>
+              </a:rPr>
+              <a:t>Задача на курс</a:t>
+            </a:r>
+            <a:endParaRPr lang="ru-RU" sz="3600" b="1" dirty="0">
+              <a:solidFill>
+                <a:schemeClr val="bg1"/>
+              </a:solidFill>
+            </a:endParaRPr>
+          </a:p>
+        </p:txBody>
+      </p:sp>
+      <p:sp>
+        <p:nvSpPr>
+          <p:cNvPr id="6" name="TextBox 5"/>
+          <p:cNvSpPr txBox="1"/>
+          <p:nvPr/>
+        </p:nvSpPr>
+        <p:spPr>
+          <a:xfrm>
+            <a:off x="296292" y="1354220"/>
+            <a:ext cx="8522967" cy="954107"/>
+          </a:xfrm>
+          <a:prstGeom prst="rect">
+            <a:avLst/>
+          </a:prstGeom>
+          <a:noFill/>
+        </p:spPr>
+        <p:txBody>
+          <a:bodyPr wrap="square" rtlCol="0">
+            <a:spAutoFit/>
+          </a:bodyPr>
+          <a:lstStyle/>
+          <a:p>
+            <a:pPr marL="457200" indent="-457200">
+              <a:spcAft>
+                <a:spcPts val="1200"/>
+              </a:spcAft>
+              <a:buClr>
+                <a:srgbClr val="0070C0"/>
+              </a:buClr>
+              <a:buFont typeface="Arial" pitchFamily="34" charset="0"/>
+              <a:buChar char="•"/>
+            </a:pPr>
+            <a:r>
+              <a:rPr lang="ru-RU" sz="2800" dirty="0"/>
+              <a:t>Переставить элементы массива в обратном порядке</a:t>
+            </a:r>
+          </a:p>
+        </p:txBody>
+      </p:sp>
+    </p:spTree>
+    <p:extLst>
+      <p:ext uri="{BB962C8B-B14F-4D97-AF65-F5344CB8AC3E}">
+        <p14:creationId xmlns:p14="http://schemas.microsoft.com/office/powerpoint/2010/main" val="3535120186"/>
+      </p:ext>
+    </p:extLst>
+  </p:cSld>
+  <p:clrMapOvr>
+    <a:masterClrMapping/>
+  </p:clrMapOvr>
+  <p:timing>
+    <p:tnLst>
+      <p:par>
+        <p:cTn id="1" dur="indefinite" restart="never" nodeType="tmRoot"/>
+      </p:par>
+    </p:tnLst>
+  </p:timing>
+</p:sld>
+</file>
+
+<file path=ppt/slides/slide17.xml><?xml version="1.0" encoding="utf-8"?>
 <p:sld xmlns:a="http://schemas.openxmlformats.org/drawingml/2006/main" xmlns:r="http://schemas.openxmlformats.org/officeDocument/2006/relationships" xmlns:p="http://schemas.openxmlformats.org/presentationml/2006/main">
   <p:cSld>
     <p:spTree>

--- a/src/сourse/course_task.pptx
+++ b/src/сourse/course_task.pptx
@@ -21,7 +21,10 @@
     <p:sldId id="270" r:id="rId15"/>
     <p:sldId id="271" r:id="rId16"/>
     <p:sldId id="272" r:id="rId17"/>
-    <p:sldId id="256" r:id="rId18"/>
+    <p:sldId id="273" r:id="rId18"/>
+    <p:sldId id="274" r:id="rId19"/>
+    <p:sldId id="275" r:id="rId20"/>
+    <p:sldId id="256" r:id="rId21"/>
   </p:sldIdLst>
   <p:sldSz cx="9144000" cy="6858000" type="screen4x3"/>
   <p:notesSz cx="6858000" cy="9144000"/>
@@ -4467,52 +4470,411 @@
       </p:grpSpPr>
       <p:sp>
         <p:nvSpPr>
-          <p:cNvPr id="2" name="Заголовок 1"/>
-          <p:cNvSpPr>
-            <a:spLocks noGrp="1"/>
-          </p:cNvSpPr>
-          <p:nvPr>
-            <p:ph type="ctrTitle"/>
-          </p:nvPr>
-        </p:nvSpPr>
-        <p:spPr/>
-        <p:txBody>
-          <a:bodyPr/>
-          <a:lstStyle/>
-          <a:p>
-            <a:endParaRPr lang="ru-RU"/>
-          </a:p>
-        </p:txBody>
-      </p:sp>
-      <p:sp>
-        <p:nvSpPr>
-          <p:cNvPr id="3" name="Подзаголовок 2"/>
-          <p:cNvSpPr>
-            <a:spLocks noGrp="1"/>
-          </p:cNvSpPr>
-          <p:nvPr>
-            <p:ph type="subTitle" idx="1"/>
-          </p:nvPr>
-        </p:nvSpPr>
-        <p:spPr/>
-        <p:txBody>
-          <a:bodyPr/>
-          <a:lstStyle/>
-          <a:p>
-            <a:endParaRPr lang="ru-RU"/>
+          <p:cNvPr id="4" name="TextBox 3"/>
+          <p:cNvSpPr txBox="1"/>
+          <p:nvPr/>
+        </p:nvSpPr>
+        <p:spPr>
+          <a:xfrm>
+            <a:off x="2729379" y="2132856"/>
+            <a:ext cx="3663182" cy="1754326"/>
+          </a:xfrm>
+          <a:prstGeom prst="rect">
+            <a:avLst/>
+          </a:prstGeom>
+          <a:solidFill>
+            <a:srgbClr val="0070C0"/>
+          </a:solidFill>
+          <a:ln>
+            <a:noFill/>
+          </a:ln>
+        </p:spPr>
+        <p:txBody>
+          <a:bodyPr wrap="none" rtlCol="0">
+            <a:spAutoFit/>
+          </a:bodyPr>
+          <a:lstStyle/>
+          <a:p>
+            <a:pPr algn="ctr"/>
+            <a:r>
+              <a:rPr lang="ru-RU" sz="3600" b="1" dirty="0" smtClean="0">
+                <a:solidFill>
+                  <a:schemeClr val="bg1"/>
+                </a:solidFill>
+              </a:rPr>
+              <a:t>Лекция 12.</a:t>
+            </a:r>
+            <a:br>
+              <a:rPr lang="ru-RU" sz="3600" b="1" dirty="0" smtClean="0">
+                <a:solidFill>
+                  <a:schemeClr val="bg1"/>
+                </a:solidFill>
+              </a:rPr>
+            </a:br>
+            <a:r>
+              <a:rPr lang="ru-RU" sz="3600" b="1" dirty="0" smtClean="0">
+                <a:solidFill>
+                  <a:schemeClr val="bg1"/>
+                </a:solidFill>
+              </a:rPr>
+              <a:t>Рекурсия. </a:t>
+            </a:r>
+            <a:br>
+              <a:rPr lang="ru-RU" sz="3600" b="1" dirty="0" smtClean="0">
+                <a:solidFill>
+                  <a:schemeClr val="bg1"/>
+                </a:solidFill>
+              </a:rPr>
+            </a:br>
+            <a:r>
+              <a:rPr lang="ru-RU" sz="3600" b="1" dirty="0" smtClean="0">
+                <a:solidFill>
+                  <a:schemeClr val="bg1"/>
+                </a:solidFill>
+              </a:rPr>
+              <a:t>Бинарный поиск</a:t>
+            </a:r>
+            <a:endParaRPr lang="ru-RU" sz="3600" b="1" dirty="0">
+              <a:solidFill>
+                <a:schemeClr val="bg1"/>
+              </a:solidFill>
+            </a:endParaRPr>
           </a:p>
         </p:txBody>
       </p:sp>
     </p:spTree>
     <p:extLst>
       <p:ext uri="{BB962C8B-B14F-4D97-AF65-F5344CB8AC3E}">
-        <p14:creationId xmlns:p14="http://schemas.microsoft.com/office/powerpoint/2010/main" val="707308663"/>
+        <p14:creationId xmlns:p14="http://schemas.microsoft.com/office/powerpoint/2010/main" val="3357459542"/>
       </p:ext>
     </p:extLst>
   </p:cSld>
   <p:clrMapOvr>
     <a:masterClrMapping/>
   </p:clrMapOvr>
+  <p:timing>
+    <p:tnLst>
+      <p:par>
+        <p:cTn id="1" dur="indefinite" restart="never" nodeType="tmRoot"/>
+      </p:par>
+    </p:tnLst>
+  </p:timing>
+</p:sld>
+</file>
+
+<file path=ppt/slides/slide18.xml><?xml version="1.0" encoding="utf-8"?>
+<p:sld xmlns:a="http://schemas.openxmlformats.org/drawingml/2006/main" xmlns:r="http://schemas.openxmlformats.org/officeDocument/2006/relationships" xmlns:p="http://schemas.openxmlformats.org/presentationml/2006/main">
+  <p:cSld>
+    <p:spTree>
+      <p:nvGrpSpPr>
+        <p:cNvPr id="1" name=""/>
+        <p:cNvGrpSpPr/>
+        <p:nvPr/>
+      </p:nvGrpSpPr>
+      <p:grpSpPr>
+        <a:xfrm>
+          <a:off x="0" y="0"/>
+          <a:ext cx="0" cy="0"/>
+          <a:chOff x="0" y="0"/>
+          <a:chExt cx="0" cy="0"/>
+        </a:xfrm>
+      </p:grpSpPr>
+      <p:sp>
+        <p:nvSpPr>
+          <p:cNvPr id="8" name="TextBox 7"/>
+          <p:cNvSpPr txBox="1"/>
+          <p:nvPr/>
+        </p:nvSpPr>
+        <p:spPr>
+          <a:xfrm>
+            <a:off x="1475656" y="263347"/>
+            <a:ext cx="7416824" cy="646331"/>
+          </a:xfrm>
+          <a:prstGeom prst="rect">
+            <a:avLst/>
+          </a:prstGeom>
+          <a:solidFill>
+            <a:schemeClr val="tx2">
+              <a:lumMod val="40000"/>
+              <a:lumOff val="60000"/>
+            </a:schemeClr>
+          </a:solidFill>
+          <a:ln>
+            <a:noFill/>
+          </a:ln>
+        </p:spPr>
+        <p:txBody>
+          <a:bodyPr wrap="square" rtlCol="0">
+            <a:spAutoFit/>
+          </a:bodyPr>
+          <a:lstStyle/>
+          <a:p>
+            <a:pPr algn="ctr"/>
+            <a:endParaRPr lang="ru-RU" sz="3600" b="1" dirty="0">
+              <a:solidFill>
+                <a:schemeClr val="bg1"/>
+              </a:solidFill>
+            </a:endParaRPr>
+          </a:p>
+        </p:txBody>
+      </p:sp>
+      <p:sp>
+        <p:nvSpPr>
+          <p:cNvPr id="4" name="TextBox 3"/>
+          <p:cNvSpPr txBox="1"/>
+          <p:nvPr/>
+        </p:nvSpPr>
+        <p:spPr>
+          <a:xfrm>
+            <a:off x="296294" y="260648"/>
+            <a:ext cx="3161443" cy="646331"/>
+          </a:xfrm>
+          <a:prstGeom prst="rect">
+            <a:avLst/>
+          </a:prstGeom>
+          <a:solidFill>
+            <a:srgbClr val="0070C0"/>
+          </a:solidFill>
+          <a:ln>
+            <a:noFill/>
+          </a:ln>
+        </p:spPr>
+        <p:txBody>
+          <a:bodyPr wrap="none" rtlCol="0">
+            <a:spAutoFit/>
+          </a:bodyPr>
+          <a:lstStyle/>
+          <a:p>
+            <a:r>
+              <a:rPr lang="ru-RU" sz="3600" b="1" dirty="0" smtClean="0">
+                <a:solidFill>
+                  <a:schemeClr val="bg1"/>
+                </a:solidFill>
+              </a:rPr>
+              <a:t>Задача на курс</a:t>
+            </a:r>
+            <a:endParaRPr lang="ru-RU" sz="3600" b="1" dirty="0">
+              <a:solidFill>
+                <a:schemeClr val="bg1"/>
+              </a:solidFill>
+            </a:endParaRPr>
+          </a:p>
+        </p:txBody>
+      </p:sp>
+      <p:sp>
+        <p:nvSpPr>
+          <p:cNvPr id="6" name="TextBox 5"/>
+          <p:cNvSpPr txBox="1"/>
+          <p:nvPr/>
+        </p:nvSpPr>
+        <p:spPr>
+          <a:xfrm>
+            <a:off x="296292" y="1354220"/>
+            <a:ext cx="8522967" cy="523220"/>
+          </a:xfrm>
+          <a:prstGeom prst="rect">
+            <a:avLst/>
+          </a:prstGeom>
+          <a:noFill/>
+        </p:spPr>
+        <p:txBody>
+          <a:bodyPr wrap="square" rtlCol="0">
+            <a:spAutoFit/>
+          </a:bodyPr>
+          <a:lstStyle/>
+          <a:p>
+            <a:pPr marL="457200" indent="-457200">
+              <a:spcAft>
+                <a:spcPts val="1200"/>
+              </a:spcAft>
+              <a:buClr>
+                <a:srgbClr val="0070C0"/>
+              </a:buClr>
+              <a:buFont typeface="Arial" pitchFamily="34" charset="0"/>
+              <a:buChar char="•"/>
+            </a:pPr>
+            <a:r>
+              <a:rPr lang="ru-RU" sz="2800" dirty="0"/>
+              <a:t>Задача про НОД, она уже есть в списке задач</a:t>
+            </a:r>
+          </a:p>
+        </p:txBody>
+      </p:sp>
+    </p:spTree>
+    <p:extLst>
+      <p:ext uri="{BB962C8B-B14F-4D97-AF65-F5344CB8AC3E}">
+        <p14:creationId xmlns:p14="http://schemas.microsoft.com/office/powerpoint/2010/main" val="2120809412"/>
+      </p:ext>
+    </p:extLst>
+  </p:cSld>
+  <p:clrMapOvr>
+    <a:masterClrMapping/>
+  </p:clrMapOvr>
+  <p:timing>
+    <p:tnLst>
+      <p:par>
+        <p:cTn id="1" dur="indefinite" restart="never" nodeType="tmRoot"/>
+      </p:par>
+    </p:tnLst>
+  </p:timing>
+</p:sld>
+</file>
+
+<file path=ppt/slides/slide19.xml><?xml version="1.0" encoding="utf-8"?>
+<p:sld xmlns:a="http://schemas.openxmlformats.org/drawingml/2006/main" xmlns:r="http://schemas.openxmlformats.org/officeDocument/2006/relationships" xmlns:p="http://schemas.openxmlformats.org/presentationml/2006/main">
+  <p:cSld>
+    <p:spTree>
+      <p:nvGrpSpPr>
+        <p:cNvPr id="1" name=""/>
+        <p:cNvGrpSpPr/>
+        <p:nvPr/>
+      </p:nvGrpSpPr>
+      <p:grpSpPr>
+        <a:xfrm>
+          <a:off x="0" y="0"/>
+          <a:ext cx="0" cy="0"/>
+          <a:chOff x="0" y="0"/>
+          <a:chExt cx="0" cy="0"/>
+        </a:xfrm>
+      </p:grpSpPr>
+      <p:sp>
+        <p:nvSpPr>
+          <p:cNvPr id="8" name="TextBox 7"/>
+          <p:cNvSpPr txBox="1"/>
+          <p:nvPr/>
+        </p:nvSpPr>
+        <p:spPr>
+          <a:xfrm>
+            <a:off x="1475656" y="263347"/>
+            <a:ext cx="7416824" cy="646331"/>
+          </a:xfrm>
+          <a:prstGeom prst="rect">
+            <a:avLst/>
+          </a:prstGeom>
+          <a:solidFill>
+            <a:schemeClr val="tx2">
+              <a:lumMod val="40000"/>
+              <a:lumOff val="60000"/>
+            </a:schemeClr>
+          </a:solidFill>
+          <a:ln>
+            <a:noFill/>
+          </a:ln>
+        </p:spPr>
+        <p:txBody>
+          <a:bodyPr wrap="square" rtlCol="0">
+            <a:spAutoFit/>
+          </a:bodyPr>
+          <a:lstStyle/>
+          <a:p>
+            <a:pPr algn="ctr"/>
+            <a:endParaRPr lang="ru-RU" sz="3600" b="1" dirty="0">
+              <a:solidFill>
+                <a:schemeClr val="bg1"/>
+              </a:solidFill>
+            </a:endParaRPr>
+          </a:p>
+        </p:txBody>
+      </p:sp>
+      <p:sp>
+        <p:nvSpPr>
+          <p:cNvPr id="4" name="TextBox 3"/>
+          <p:cNvSpPr txBox="1"/>
+          <p:nvPr/>
+        </p:nvSpPr>
+        <p:spPr>
+          <a:xfrm>
+            <a:off x="296294" y="260648"/>
+            <a:ext cx="3161443" cy="646331"/>
+          </a:xfrm>
+          <a:prstGeom prst="rect">
+            <a:avLst/>
+          </a:prstGeom>
+          <a:solidFill>
+            <a:srgbClr val="0070C0"/>
+          </a:solidFill>
+          <a:ln>
+            <a:noFill/>
+          </a:ln>
+        </p:spPr>
+        <p:txBody>
+          <a:bodyPr wrap="none" rtlCol="0">
+            <a:spAutoFit/>
+          </a:bodyPr>
+          <a:lstStyle/>
+          <a:p>
+            <a:r>
+              <a:rPr lang="ru-RU" sz="3600" b="1" dirty="0" smtClean="0">
+                <a:solidFill>
+                  <a:schemeClr val="bg1"/>
+                </a:solidFill>
+              </a:rPr>
+              <a:t>Задача на курс</a:t>
+            </a:r>
+            <a:endParaRPr lang="ru-RU" sz="3600" b="1" dirty="0">
+              <a:solidFill>
+                <a:schemeClr val="bg1"/>
+              </a:solidFill>
+            </a:endParaRPr>
+          </a:p>
+        </p:txBody>
+      </p:sp>
+      <p:sp>
+        <p:nvSpPr>
+          <p:cNvPr id="6" name="TextBox 5"/>
+          <p:cNvSpPr txBox="1"/>
+          <p:nvPr/>
+        </p:nvSpPr>
+        <p:spPr>
+          <a:xfrm>
+            <a:off x="296292" y="1354220"/>
+            <a:ext cx="8522967" cy="954107"/>
+          </a:xfrm>
+          <a:prstGeom prst="rect">
+            <a:avLst/>
+          </a:prstGeom>
+          <a:noFill/>
+        </p:spPr>
+        <p:txBody>
+          <a:bodyPr wrap="square" rtlCol="0">
+            <a:spAutoFit/>
+          </a:bodyPr>
+          <a:lstStyle/>
+          <a:p>
+            <a:pPr marL="457200" indent="-457200">
+              <a:spcAft>
+                <a:spcPts val="1200"/>
+              </a:spcAft>
+              <a:buClr>
+                <a:srgbClr val="0070C0"/>
+              </a:buClr>
+              <a:buFont typeface="Arial" pitchFamily="34" charset="0"/>
+              <a:buChar char="•"/>
+            </a:pPr>
+            <a:r>
+              <a:rPr lang="ru-RU" sz="2800" dirty="0"/>
+              <a:t>Реализовать вариант бинарного поиска без рекурсии</a:t>
+            </a:r>
+          </a:p>
+        </p:txBody>
+      </p:sp>
+    </p:spTree>
+    <p:extLst>
+      <p:ext uri="{BB962C8B-B14F-4D97-AF65-F5344CB8AC3E}">
+        <p14:creationId xmlns:p14="http://schemas.microsoft.com/office/powerpoint/2010/main" val="3679776348"/>
+      </p:ext>
+    </p:extLst>
+  </p:cSld>
+  <p:clrMapOvr>
+    <a:masterClrMapping/>
+  </p:clrMapOvr>
+  <p:timing>
+    <p:tnLst>
+      <p:par>
+        <p:cTn id="1" dur="indefinite" restart="never" nodeType="tmRoot"/>
+      </p:par>
+    </p:tnLst>
+  </p:timing>
 </p:sld>
 </file>
 
@@ -4785,6 +5147,74 @@
       </p:par>
     </p:tnLst>
   </p:timing>
+</p:sld>
+</file>
+
+<file path=ppt/slides/slide20.xml><?xml version="1.0" encoding="utf-8"?>
+<p:sld xmlns:a="http://schemas.openxmlformats.org/drawingml/2006/main" xmlns:r="http://schemas.openxmlformats.org/officeDocument/2006/relationships" xmlns:p="http://schemas.openxmlformats.org/presentationml/2006/main">
+  <p:cSld>
+    <p:spTree>
+      <p:nvGrpSpPr>
+        <p:cNvPr id="1" name=""/>
+        <p:cNvGrpSpPr/>
+        <p:nvPr/>
+      </p:nvGrpSpPr>
+      <p:grpSpPr>
+        <a:xfrm>
+          <a:off x="0" y="0"/>
+          <a:ext cx="0" cy="0"/>
+          <a:chOff x="0" y="0"/>
+          <a:chExt cx="0" cy="0"/>
+        </a:xfrm>
+      </p:grpSpPr>
+      <p:sp>
+        <p:nvSpPr>
+          <p:cNvPr id="2" name="Заголовок 1"/>
+          <p:cNvSpPr>
+            <a:spLocks noGrp="1"/>
+          </p:cNvSpPr>
+          <p:nvPr>
+            <p:ph type="ctrTitle"/>
+          </p:nvPr>
+        </p:nvSpPr>
+        <p:spPr/>
+        <p:txBody>
+          <a:bodyPr/>
+          <a:lstStyle/>
+          <a:p>
+            <a:endParaRPr lang="ru-RU"/>
+          </a:p>
+        </p:txBody>
+      </p:sp>
+      <p:sp>
+        <p:nvSpPr>
+          <p:cNvPr id="3" name="Подзаголовок 2"/>
+          <p:cNvSpPr>
+            <a:spLocks noGrp="1"/>
+          </p:cNvSpPr>
+          <p:nvPr>
+            <p:ph type="subTitle" idx="1"/>
+          </p:nvPr>
+        </p:nvSpPr>
+        <p:spPr/>
+        <p:txBody>
+          <a:bodyPr/>
+          <a:lstStyle/>
+          <a:p>
+            <a:endParaRPr lang="ru-RU"/>
+          </a:p>
+        </p:txBody>
+      </p:sp>
+    </p:spTree>
+    <p:extLst>
+      <p:ext uri="{BB962C8B-B14F-4D97-AF65-F5344CB8AC3E}">
+        <p14:creationId xmlns:p14="http://schemas.microsoft.com/office/powerpoint/2010/main" val="707308663"/>
+      </p:ext>
+    </p:extLst>
+  </p:cSld>
+  <p:clrMapOvr>
+    <a:masterClrMapping/>
+  </p:clrMapOvr>
 </p:sld>
 </file>
 

--- a/src/сourse/course_task.pptx
+++ b/src/сourse/course_task.pptx
@@ -24,7 +24,12 @@
     <p:sldId id="273" r:id="rId18"/>
     <p:sldId id="274" r:id="rId19"/>
     <p:sldId id="275" r:id="rId20"/>
-    <p:sldId id="256" r:id="rId21"/>
+    <p:sldId id="276" r:id="rId21"/>
+    <p:sldId id="277" r:id="rId22"/>
+    <p:sldId id="278" r:id="rId23"/>
+    <p:sldId id="279" r:id="rId24"/>
+    <p:sldId id="280" r:id="rId25"/>
+    <p:sldId id="256" r:id="rId26"/>
   </p:sldIdLst>
   <p:sldSz cx="9144000" cy="6858000" type="screen4x3"/>
   <p:notesSz cx="6858000" cy="9144000"/>
@@ -5151,6 +5156,776 @@
 </file>
 
 <file path=ppt/slides/slide20.xml><?xml version="1.0" encoding="utf-8"?>
+<p:sld xmlns:a="http://schemas.openxmlformats.org/drawingml/2006/main" xmlns:r="http://schemas.openxmlformats.org/officeDocument/2006/relationships" xmlns:p="http://schemas.openxmlformats.org/presentationml/2006/main">
+  <p:cSld>
+    <p:spTree>
+      <p:nvGrpSpPr>
+        <p:cNvPr id="1" name=""/>
+        <p:cNvGrpSpPr/>
+        <p:nvPr/>
+      </p:nvGrpSpPr>
+      <p:grpSpPr>
+        <a:xfrm>
+          <a:off x="0" y="0"/>
+          <a:ext cx="0" cy="0"/>
+          <a:chOff x="0" y="0"/>
+          <a:chExt cx="0" cy="0"/>
+        </a:xfrm>
+      </p:grpSpPr>
+      <p:sp>
+        <p:nvSpPr>
+          <p:cNvPr id="4" name="TextBox 3"/>
+          <p:cNvSpPr txBox="1"/>
+          <p:nvPr/>
+        </p:nvSpPr>
+        <p:spPr>
+          <a:xfrm>
+            <a:off x="3276003" y="2132856"/>
+            <a:ext cx="2569934" cy="1200329"/>
+          </a:xfrm>
+          <a:prstGeom prst="rect">
+            <a:avLst/>
+          </a:prstGeom>
+          <a:solidFill>
+            <a:srgbClr val="0070C0"/>
+          </a:solidFill>
+          <a:ln>
+            <a:noFill/>
+          </a:ln>
+        </p:spPr>
+        <p:txBody>
+          <a:bodyPr wrap="none" rtlCol="0">
+            <a:spAutoFit/>
+          </a:bodyPr>
+          <a:lstStyle/>
+          <a:p>
+            <a:pPr algn="ctr"/>
+            <a:r>
+              <a:rPr lang="ru-RU" sz="3600" b="1" smtClean="0">
+                <a:solidFill>
+                  <a:schemeClr val="bg1"/>
+                </a:solidFill>
+              </a:rPr>
+              <a:t>Лекция 13.</a:t>
+            </a:r>
+            <a:r>
+              <a:rPr lang="ru-RU" sz="3600" b="1" dirty="0" smtClean="0">
+                <a:solidFill>
+                  <a:schemeClr val="bg1"/>
+                </a:solidFill>
+              </a:rPr>
+              <a:t/>
+            </a:r>
+            <a:br>
+              <a:rPr lang="ru-RU" sz="3600" b="1" dirty="0" smtClean="0">
+                <a:solidFill>
+                  <a:schemeClr val="bg1"/>
+                </a:solidFill>
+              </a:rPr>
+            </a:br>
+            <a:r>
+              <a:rPr lang="ru-RU" sz="3600" b="1" dirty="0" smtClean="0">
+                <a:solidFill>
+                  <a:schemeClr val="bg1"/>
+                </a:solidFill>
+              </a:rPr>
+              <a:t>Сортировки</a:t>
+            </a:r>
+            <a:endParaRPr lang="ru-RU" sz="3600" b="1" dirty="0">
+              <a:solidFill>
+                <a:schemeClr val="bg1"/>
+              </a:solidFill>
+            </a:endParaRPr>
+          </a:p>
+        </p:txBody>
+      </p:sp>
+    </p:spTree>
+    <p:extLst>
+      <p:ext uri="{BB962C8B-B14F-4D97-AF65-F5344CB8AC3E}">
+        <p14:creationId xmlns:p14="http://schemas.microsoft.com/office/powerpoint/2010/main" val="2634764034"/>
+      </p:ext>
+    </p:extLst>
+  </p:cSld>
+  <p:clrMapOvr>
+    <a:masterClrMapping/>
+  </p:clrMapOvr>
+  <p:timing>
+    <p:tnLst>
+      <p:par>
+        <p:cTn id="1" dur="indefinite" restart="never" nodeType="tmRoot"/>
+      </p:par>
+    </p:tnLst>
+  </p:timing>
+</p:sld>
+</file>
+
+<file path=ppt/slides/slide21.xml><?xml version="1.0" encoding="utf-8"?>
+<p:sld xmlns:a="http://schemas.openxmlformats.org/drawingml/2006/main" xmlns:r="http://schemas.openxmlformats.org/officeDocument/2006/relationships" xmlns:p="http://schemas.openxmlformats.org/presentationml/2006/main">
+  <p:cSld>
+    <p:spTree>
+      <p:nvGrpSpPr>
+        <p:cNvPr id="1" name=""/>
+        <p:cNvGrpSpPr/>
+        <p:nvPr/>
+      </p:nvGrpSpPr>
+      <p:grpSpPr>
+        <a:xfrm>
+          <a:off x="0" y="0"/>
+          <a:ext cx="0" cy="0"/>
+          <a:chOff x="0" y="0"/>
+          <a:chExt cx="0" cy="0"/>
+        </a:xfrm>
+      </p:grpSpPr>
+      <p:sp>
+        <p:nvSpPr>
+          <p:cNvPr id="8" name="TextBox 7"/>
+          <p:cNvSpPr txBox="1"/>
+          <p:nvPr/>
+        </p:nvSpPr>
+        <p:spPr>
+          <a:xfrm>
+            <a:off x="1475656" y="263347"/>
+            <a:ext cx="7416824" cy="646331"/>
+          </a:xfrm>
+          <a:prstGeom prst="rect">
+            <a:avLst/>
+          </a:prstGeom>
+          <a:solidFill>
+            <a:schemeClr val="tx2">
+              <a:lumMod val="40000"/>
+              <a:lumOff val="60000"/>
+            </a:schemeClr>
+          </a:solidFill>
+          <a:ln>
+            <a:noFill/>
+          </a:ln>
+        </p:spPr>
+        <p:txBody>
+          <a:bodyPr wrap="square" rtlCol="0">
+            <a:spAutoFit/>
+          </a:bodyPr>
+          <a:lstStyle/>
+          <a:p>
+            <a:pPr algn="ctr"/>
+            <a:endParaRPr lang="ru-RU" sz="3600" b="1" dirty="0">
+              <a:solidFill>
+                <a:schemeClr val="bg1"/>
+              </a:solidFill>
+            </a:endParaRPr>
+          </a:p>
+        </p:txBody>
+      </p:sp>
+      <p:sp>
+        <p:nvSpPr>
+          <p:cNvPr id="4" name="TextBox 3"/>
+          <p:cNvSpPr txBox="1"/>
+          <p:nvPr/>
+        </p:nvSpPr>
+        <p:spPr>
+          <a:xfrm>
+            <a:off x="296294" y="260648"/>
+            <a:ext cx="3161443" cy="646331"/>
+          </a:xfrm>
+          <a:prstGeom prst="rect">
+            <a:avLst/>
+          </a:prstGeom>
+          <a:solidFill>
+            <a:srgbClr val="0070C0"/>
+          </a:solidFill>
+          <a:ln>
+            <a:noFill/>
+          </a:ln>
+        </p:spPr>
+        <p:txBody>
+          <a:bodyPr wrap="none" rtlCol="0">
+            <a:spAutoFit/>
+          </a:bodyPr>
+          <a:lstStyle/>
+          <a:p>
+            <a:r>
+              <a:rPr lang="ru-RU" sz="3600" b="1" dirty="0" smtClean="0">
+                <a:solidFill>
+                  <a:schemeClr val="bg1"/>
+                </a:solidFill>
+              </a:rPr>
+              <a:t>Задача на курс</a:t>
+            </a:r>
+            <a:endParaRPr lang="ru-RU" sz="3600" b="1" dirty="0">
+              <a:solidFill>
+                <a:schemeClr val="bg1"/>
+              </a:solidFill>
+            </a:endParaRPr>
+          </a:p>
+        </p:txBody>
+      </p:sp>
+      <p:sp>
+        <p:nvSpPr>
+          <p:cNvPr id="6" name="TextBox 5"/>
+          <p:cNvSpPr txBox="1"/>
+          <p:nvPr/>
+        </p:nvSpPr>
+        <p:spPr>
+          <a:xfrm>
+            <a:off x="296292" y="1354220"/>
+            <a:ext cx="8522967" cy="1107996"/>
+          </a:xfrm>
+          <a:prstGeom prst="rect">
+            <a:avLst/>
+          </a:prstGeom>
+          <a:noFill/>
+        </p:spPr>
+        <p:txBody>
+          <a:bodyPr wrap="square" rtlCol="0">
+            <a:spAutoFit/>
+          </a:bodyPr>
+          <a:lstStyle/>
+          <a:p>
+            <a:pPr marL="457200" indent="-457200">
+              <a:spcAft>
+                <a:spcPts val="1200"/>
+              </a:spcAft>
+              <a:buClr>
+                <a:srgbClr val="0070C0"/>
+              </a:buClr>
+              <a:buFont typeface="Arial" pitchFamily="34" charset="0"/>
+              <a:buChar char="•"/>
+            </a:pPr>
+            <a:r>
+              <a:rPr lang="ru-RU" sz="2800" dirty="0" smtClean="0"/>
+              <a:t>Реализовать сортировку выбором</a:t>
+            </a:r>
+            <a:endParaRPr lang="ru-RU" sz="2800" dirty="0"/>
+          </a:p>
+          <a:p>
+            <a:pPr marL="457200" indent="-457200">
+              <a:spcAft>
+                <a:spcPts val="1200"/>
+              </a:spcAft>
+              <a:buClr>
+                <a:srgbClr val="0070C0"/>
+              </a:buClr>
+              <a:buFont typeface="Arial" pitchFamily="34" charset="0"/>
+              <a:buChar char="•"/>
+            </a:pPr>
+            <a:endParaRPr lang="ru-RU" sz="2800" dirty="0"/>
+          </a:p>
+        </p:txBody>
+      </p:sp>
+    </p:spTree>
+    <p:extLst>
+      <p:ext uri="{BB962C8B-B14F-4D97-AF65-F5344CB8AC3E}">
+        <p14:creationId xmlns:p14="http://schemas.microsoft.com/office/powerpoint/2010/main" val="2651351035"/>
+      </p:ext>
+    </p:extLst>
+  </p:cSld>
+  <p:clrMapOvr>
+    <a:masterClrMapping/>
+  </p:clrMapOvr>
+  <p:timing>
+    <p:tnLst>
+      <p:par>
+        <p:cTn id="1" dur="indefinite" restart="never" nodeType="tmRoot"/>
+      </p:par>
+    </p:tnLst>
+  </p:timing>
+</p:sld>
+</file>
+
+<file path=ppt/slides/slide22.xml><?xml version="1.0" encoding="utf-8"?>
+<p:sld xmlns:a="http://schemas.openxmlformats.org/drawingml/2006/main" xmlns:r="http://schemas.openxmlformats.org/officeDocument/2006/relationships" xmlns:p="http://schemas.openxmlformats.org/presentationml/2006/main">
+  <p:cSld>
+    <p:spTree>
+      <p:nvGrpSpPr>
+        <p:cNvPr id="1" name=""/>
+        <p:cNvGrpSpPr/>
+        <p:nvPr/>
+      </p:nvGrpSpPr>
+      <p:grpSpPr>
+        <a:xfrm>
+          <a:off x="0" y="0"/>
+          <a:ext cx="0" cy="0"/>
+          <a:chOff x="0" y="0"/>
+          <a:chExt cx="0" cy="0"/>
+        </a:xfrm>
+      </p:grpSpPr>
+      <p:sp>
+        <p:nvSpPr>
+          <p:cNvPr id="8" name="TextBox 7"/>
+          <p:cNvSpPr txBox="1"/>
+          <p:nvPr/>
+        </p:nvSpPr>
+        <p:spPr>
+          <a:xfrm>
+            <a:off x="1475656" y="263347"/>
+            <a:ext cx="7416824" cy="646331"/>
+          </a:xfrm>
+          <a:prstGeom prst="rect">
+            <a:avLst/>
+          </a:prstGeom>
+          <a:solidFill>
+            <a:schemeClr val="tx2">
+              <a:lumMod val="40000"/>
+              <a:lumOff val="60000"/>
+            </a:schemeClr>
+          </a:solidFill>
+          <a:ln>
+            <a:noFill/>
+          </a:ln>
+        </p:spPr>
+        <p:txBody>
+          <a:bodyPr wrap="square" rtlCol="0">
+            <a:spAutoFit/>
+          </a:bodyPr>
+          <a:lstStyle/>
+          <a:p>
+            <a:pPr algn="ctr"/>
+            <a:endParaRPr lang="ru-RU" sz="3600" b="1" dirty="0">
+              <a:solidFill>
+                <a:schemeClr val="bg1"/>
+              </a:solidFill>
+            </a:endParaRPr>
+          </a:p>
+        </p:txBody>
+      </p:sp>
+      <p:sp>
+        <p:nvSpPr>
+          <p:cNvPr id="4" name="TextBox 3"/>
+          <p:cNvSpPr txBox="1"/>
+          <p:nvPr/>
+        </p:nvSpPr>
+        <p:spPr>
+          <a:xfrm>
+            <a:off x="296294" y="260648"/>
+            <a:ext cx="3161443" cy="646331"/>
+          </a:xfrm>
+          <a:prstGeom prst="rect">
+            <a:avLst/>
+          </a:prstGeom>
+          <a:solidFill>
+            <a:srgbClr val="0070C0"/>
+          </a:solidFill>
+          <a:ln>
+            <a:noFill/>
+          </a:ln>
+        </p:spPr>
+        <p:txBody>
+          <a:bodyPr wrap="none" rtlCol="0">
+            <a:spAutoFit/>
+          </a:bodyPr>
+          <a:lstStyle/>
+          <a:p>
+            <a:r>
+              <a:rPr lang="ru-RU" sz="3600" b="1" dirty="0" smtClean="0">
+                <a:solidFill>
+                  <a:schemeClr val="bg1"/>
+                </a:solidFill>
+              </a:rPr>
+              <a:t>Задача на курс</a:t>
+            </a:r>
+            <a:endParaRPr lang="ru-RU" sz="3600" b="1" dirty="0">
+              <a:solidFill>
+                <a:schemeClr val="bg1"/>
+              </a:solidFill>
+            </a:endParaRPr>
+          </a:p>
+        </p:txBody>
+      </p:sp>
+      <p:sp>
+        <p:nvSpPr>
+          <p:cNvPr id="6" name="TextBox 5"/>
+          <p:cNvSpPr txBox="1"/>
+          <p:nvPr/>
+        </p:nvSpPr>
+        <p:spPr>
+          <a:xfrm>
+            <a:off x="296292" y="1354220"/>
+            <a:ext cx="8522967" cy="523220"/>
+          </a:xfrm>
+          <a:prstGeom prst="rect">
+            <a:avLst/>
+          </a:prstGeom>
+          <a:noFill/>
+        </p:spPr>
+        <p:txBody>
+          <a:bodyPr wrap="square" rtlCol="0">
+            <a:spAutoFit/>
+          </a:bodyPr>
+          <a:lstStyle/>
+          <a:p>
+            <a:pPr marL="457200" indent="-457200">
+              <a:spcAft>
+                <a:spcPts val="1200"/>
+              </a:spcAft>
+              <a:buClr>
+                <a:srgbClr val="0070C0"/>
+              </a:buClr>
+              <a:buFont typeface="Arial" pitchFamily="34" charset="0"/>
+              <a:buChar char="•"/>
+            </a:pPr>
+            <a:r>
+              <a:rPr lang="ru-RU" sz="2800" dirty="0" smtClean="0"/>
+              <a:t>Реализовать сортировку пузырьком</a:t>
+            </a:r>
+            <a:endParaRPr lang="ru-RU" sz="2800" dirty="0"/>
+          </a:p>
+        </p:txBody>
+      </p:sp>
+    </p:spTree>
+    <p:extLst>
+      <p:ext uri="{BB962C8B-B14F-4D97-AF65-F5344CB8AC3E}">
+        <p14:creationId xmlns:p14="http://schemas.microsoft.com/office/powerpoint/2010/main" val="656729030"/>
+      </p:ext>
+    </p:extLst>
+  </p:cSld>
+  <p:clrMapOvr>
+    <a:masterClrMapping/>
+  </p:clrMapOvr>
+  <p:timing>
+    <p:tnLst>
+      <p:par>
+        <p:cTn id="1" dur="indefinite" restart="never" nodeType="tmRoot"/>
+      </p:par>
+    </p:tnLst>
+  </p:timing>
+</p:sld>
+</file>
+
+<file path=ppt/slides/slide23.xml><?xml version="1.0" encoding="utf-8"?>
+<p:sld xmlns:a="http://schemas.openxmlformats.org/drawingml/2006/main" xmlns:r="http://schemas.openxmlformats.org/officeDocument/2006/relationships" xmlns:p="http://schemas.openxmlformats.org/presentationml/2006/main">
+  <p:cSld>
+    <p:spTree>
+      <p:nvGrpSpPr>
+        <p:cNvPr id="1" name=""/>
+        <p:cNvGrpSpPr/>
+        <p:nvPr/>
+      </p:nvGrpSpPr>
+      <p:grpSpPr>
+        <a:xfrm>
+          <a:off x="0" y="0"/>
+          <a:ext cx="0" cy="0"/>
+          <a:chOff x="0" y="0"/>
+          <a:chExt cx="0" cy="0"/>
+        </a:xfrm>
+      </p:grpSpPr>
+      <p:sp>
+        <p:nvSpPr>
+          <p:cNvPr id="8" name="TextBox 7"/>
+          <p:cNvSpPr txBox="1"/>
+          <p:nvPr/>
+        </p:nvSpPr>
+        <p:spPr>
+          <a:xfrm>
+            <a:off x="1475656" y="263347"/>
+            <a:ext cx="7416824" cy="646331"/>
+          </a:xfrm>
+          <a:prstGeom prst="rect">
+            <a:avLst/>
+          </a:prstGeom>
+          <a:solidFill>
+            <a:schemeClr val="tx2">
+              <a:lumMod val="40000"/>
+              <a:lumOff val="60000"/>
+            </a:schemeClr>
+          </a:solidFill>
+          <a:ln>
+            <a:noFill/>
+          </a:ln>
+        </p:spPr>
+        <p:txBody>
+          <a:bodyPr wrap="square" rtlCol="0">
+            <a:spAutoFit/>
+          </a:bodyPr>
+          <a:lstStyle/>
+          <a:p>
+            <a:pPr algn="ctr"/>
+            <a:endParaRPr lang="ru-RU" sz="3600" b="1" dirty="0">
+              <a:solidFill>
+                <a:schemeClr val="bg1"/>
+              </a:solidFill>
+            </a:endParaRPr>
+          </a:p>
+        </p:txBody>
+      </p:sp>
+      <p:sp>
+        <p:nvSpPr>
+          <p:cNvPr id="4" name="TextBox 3"/>
+          <p:cNvSpPr txBox="1"/>
+          <p:nvPr/>
+        </p:nvSpPr>
+        <p:spPr>
+          <a:xfrm>
+            <a:off x="296294" y="260648"/>
+            <a:ext cx="3161443" cy="646331"/>
+          </a:xfrm>
+          <a:prstGeom prst="rect">
+            <a:avLst/>
+          </a:prstGeom>
+          <a:solidFill>
+            <a:srgbClr val="0070C0"/>
+          </a:solidFill>
+          <a:ln>
+            <a:noFill/>
+          </a:ln>
+        </p:spPr>
+        <p:txBody>
+          <a:bodyPr wrap="none" rtlCol="0">
+            <a:spAutoFit/>
+          </a:bodyPr>
+          <a:lstStyle/>
+          <a:p>
+            <a:r>
+              <a:rPr lang="ru-RU" sz="3600" b="1" dirty="0" smtClean="0">
+                <a:solidFill>
+                  <a:schemeClr val="bg1"/>
+                </a:solidFill>
+              </a:rPr>
+              <a:t>Задача на курс</a:t>
+            </a:r>
+            <a:endParaRPr lang="ru-RU" sz="3600" b="1" dirty="0">
+              <a:solidFill>
+                <a:schemeClr val="bg1"/>
+              </a:solidFill>
+            </a:endParaRPr>
+          </a:p>
+        </p:txBody>
+      </p:sp>
+      <p:sp>
+        <p:nvSpPr>
+          <p:cNvPr id="6" name="TextBox 5"/>
+          <p:cNvSpPr txBox="1"/>
+          <p:nvPr/>
+        </p:nvSpPr>
+        <p:spPr>
+          <a:xfrm>
+            <a:off x="296292" y="1354220"/>
+            <a:ext cx="8522967" cy="523220"/>
+          </a:xfrm>
+          <a:prstGeom prst="rect">
+            <a:avLst/>
+          </a:prstGeom>
+          <a:noFill/>
+        </p:spPr>
+        <p:txBody>
+          <a:bodyPr wrap="square" rtlCol="0">
+            <a:spAutoFit/>
+          </a:bodyPr>
+          <a:lstStyle/>
+          <a:p>
+            <a:pPr marL="457200" indent="-457200">
+              <a:spcAft>
+                <a:spcPts val="1200"/>
+              </a:spcAft>
+              <a:buClr>
+                <a:srgbClr val="0070C0"/>
+              </a:buClr>
+              <a:buFont typeface="Arial" pitchFamily="34" charset="0"/>
+              <a:buChar char="•"/>
+            </a:pPr>
+            <a:r>
+              <a:rPr lang="ru-RU" sz="2800" dirty="0" smtClean="0"/>
+              <a:t>Реализовать сортировку вставками</a:t>
+            </a:r>
+            <a:endParaRPr lang="ru-RU" sz="2800" dirty="0"/>
+          </a:p>
+        </p:txBody>
+      </p:sp>
+    </p:spTree>
+    <p:extLst>
+      <p:ext uri="{BB962C8B-B14F-4D97-AF65-F5344CB8AC3E}">
+        <p14:creationId xmlns:p14="http://schemas.microsoft.com/office/powerpoint/2010/main" val="1221861345"/>
+      </p:ext>
+    </p:extLst>
+  </p:cSld>
+  <p:clrMapOvr>
+    <a:masterClrMapping/>
+  </p:clrMapOvr>
+  <p:timing>
+    <p:tnLst>
+      <p:par>
+        <p:cTn id="1" dur="indefinite" restart="never" nodeType="tmRoot"/>
+      </p:par>
+    </p:tnLst>
+  </p:timing>
+</p:sld>
+</file>
+
+<file path=ppt/slides/slide24.xml><?xml version="1.0" encoding="utf-8"?>
+<p:sld xmlns:a="http://schemas.openxmlformats.org/drawingml/2006/main" xmlns:r="http://schemas.openxmlformats.org/officeDocument/2006/relationships" xmlns:p="http://schemas.openxmlformats.org/presentationml/2006/main">
+  <p:cSld>
+    <p:spTree>
+      <p:nvGrpSpPr>
+        <p:cNvPr id="1" name=""/>
+        <p:cNvGrpSpPr/>
+        <p:nvPr/>
+      </p:nvGrpSpPr>
+      <p:grpSpPr>
+        <a:xfrm>
+          <a:off x="0" y="0"/>
+          <a:ext cx="0" cy="0"/>
+          <a:chOff x="0" y="0"/>
+          <a:chExt cx="0" cy="0"/>
+        </a:xfrm>
+      </p:grpSpPr>
+      <p:sp>
+        <p:nvSpPr>
+          <p:cNvPr id="8" name="TextBox 7"/>
+          <p:cNvSpPr txBox="1"/>
+          <p:nvPr/>
+        </p:nvSpPr>
+        <p:spPr>
+          <a:xfrm>
+            <a:off x="1475656" y="263347"/>
+            <a:ext cx="7416824" cy="646331"/>
+          </a:xfrm>
+          <a:prstGeom prst="rect">
+            <a:avLst/>
+          </a:prstGeom>
+          <a:solidFill>
+            <a:schemeClr val="tx2">
+              <a:lumMod val="40000"/>
+              <a:lumOff val="60000"/>
+            </a:schemeClr>
+          </a:solidFill>
+          <a:ln>
+            <a:noFill/>
+          </a:ln>
+        </p:spPr>
+        <p:txBody>
+          <a:bodyPr wrap="square" rtlCol="0">
+            <a:spAutoFit/>
+          </a:bodyPr>
+          <a:lstStyle/>
+          <a:p>
+            <a:pPr algn="ctr"/>
+            <a:endParaRPr lang="ru-RU" sz="3600" b="1" dirty="0">
+              <a:solidFill>
+                <a:schemeClr val="bg1"/>
+              </a:solidFill>
+            </a:endParaRPr>
+          </a:p>
+        </p:txBody>
+      </p:sp>
+      <p:sp>
+        <p:nvSpPr>
+          <p:cNvPr id="4" name="TextBox 3"/>
+          <p:cNvSpPr txBox="1"/>
+          <p:nvPr/>
+        </p:nvSpPr>
+        <p:spPr>
+          <a:xfrm>
+            <a:off x="296294" y="260648"/>
+            <a:ext cx="3161443" cy="646331"/>
+          </a:xfrm>
+          <a:prstGeom prst="rect">
+            <a:avLst/>
+          </a:prstGeom>
+          <a:solidFill>
+            <a:srgbClr val="0070C0"/>
+          </a:solidFill>
+          <a:ln>
+            <a:noFill/>
+          </a:ln>
+        </p:spPr>
+        <p:txBody>
+          <a:bodyPr wrap="none" rtlCol="0">
+            <a:spAutoFit/>
+          </a:bodyPr>
+          <a:lstStyle/>
+          <a:p>
+            <a:r>
+              <a:rPr lang="ru-RU" sz="3600" b="1" dirty="0" smtClean="0">
+                <a:solidFill>
+                  <a:schemeClr val="bg1"/>
+                </a:solidFill>
+              </a:rPr>
+              <a:t>Задача на курс</a:t>
+            </a:r>
+            <a:endParaRPr lang="ru-RU" sz="3600" b="1" dirty="0">
+              <a:solidFill>
+                <a:schemeClr val="bg1"/>
+              </a:solidFill>
+            </a:endParaRPr>
+          </a:p>
+        </p:txBody>
+      </p:sp>
+      <p:sp>
+        <p:nvSpPr>
+          <p:cNvPr id="6" name="TextBox 5"/>
+          <p:cNvSpPr txBox="1"/>
+          <p:nvPr/>
+        </p:nvSpPr>
+        <p:spPr>
+          <a:xfrm>
+            <a:off x="296292" y="1354220"/>
+            <a:ext cx="8522967" cy="1107996"/>
+          </a:xfrm>
+          <a:prstGeom prst="rect">
+            <a:avLst/>
+          </a:prstGeom>
+          <a:noFill/>
+        </p:spPr>
+        <p:txBody>
+          <a:bodyPr wrap="square" rtlCol="0">
+            <a:spAutoFit/>
+          </a:bodyPr>
+          <a:lstStyle/>
+          <a:p>
+            <a:pPr marL="457200" indent="-457200">
+              <a:spcAft>
+                <a:spcPts val="1200"/>
+              </a:spcAft>
+              <a:buClr>
+                <a:srgbClr val="0070C0"/>
+              </a:buClr>
+              <a:buFont typeface="Arial" pitchFamily="34" charset="0"/>
+              <a:buChar char="•"/>
+            </a:pPr>
+            <a:r>
+              <a:rPr lang="ru-RU" sz="2800" dirty="0" smtClean="0"/>
+              <a:t>Реализовать </a:t>
+            </a:r>
+            <a:r>
+              <a:rPr lang="ru-RU" sz="2800" smtClean="0"/>
+              <a:t>быструю сортировку</a:t>
+            </a:r>
+            <a:endParaRPr lang="en-US" sz="2800" dirty="0"/>
+          </a:p>
+          <a:p>
+            <a:pPr marL="457200" indent="-457200">
+              <a:spcAft>
+                <a:spcPts val="1200"/>
+              </a:spcAft>
+              <a:buClr>
+                <a:srgbClr val="0070C0"/>
+              </a:buClr>
+              <a:buFont typeface="Arial" pitchFamily="34" charset="0"/>
+              <a:buChar char="•"/>
+            </a:pPr>
+            <a:endParaRPr lang="en-US" sz="2800" dirty="0"/>
+          </a:p>
+        </p:txBody>
+      </p:sp>
+    </p:spTree>
+    <p:extLst>
+      <p:ext uri="{BB962C8B-B14F-4D97-AF65-F5344CB8AC3E}">
+        <p14:creationId xmlns:p14="http://schemas.microsoft.com/office/powerpoint/2010/main" val="601128590"/>
+      </p:ext>
+    </p:extLst>
+  </p:cSld>
+  <p:clrMapOvr>
+    <a:masterClrMapping/>
+  </p:clrMapOvr>
+  <p:timing>
+    <p:tnLst>
+      <p:par>
+        <p:cTn id="1" dur="indefinite" restart="never" nodeType="tmRoot"/>
+      </p:par>
+    </p:tnLst>
+  </p:timing>
+</p:sld>
+</file>
+
+<file path=ppt/slides/slide25.xml><?xml version="1.0" encoding="utf-8"?>
 <p:sld xmlns:a="http://schemas.openxmlformats.org/drawingml/2006/main" xmlns:r="http://schemas.openxmlformats.org/officeDocument/2006/relationships" xmlns:p="http://schemas.openxmlformats.org/presentationml/2006/main">
   <p:cSld>
     <p:spTree>
